--- a/linsley_postdoc/presentations/weekly_meetings/1_18_24.pptx
+++ b/linsley_postdoc/presentations/weekly_meetings/1_18_24.pptx
@@ -5,16 +5,17 @@
     <p:sldMasterId id="2147483648" r:id="rId1"/>
   </p:sldMasterIdLst>
   <p:notesMasterIdLst>
-    <p:notesMasterId r:id="rId9"/>
+    <p:notesMasterId r:id="rId10"/>
   </p:notesMasterIdLst>
   <p:sldIdLst>
     <p:sldId id="477" r:id="rId2"/>
     <p:sldId id="499" r:id="rId3"/>
     <p:sldId id="527" r:id="rId4"/>
     <p:sldId id="525" r:id="rId5"/>
-    <p:sldId id="526" r:id="rId6"/>
-    <p:sldId id="524" r:id="rId7"/>
-    <p:sldId id="519" r:id="rId8"/>
+    <p:sldId id="528" r:id="rId6"/>
+    <p:sldId id="526" r:id="rId7"/>
+    <p:sldId id="524" r:id="rId8"/>
+    <p:sldId id="519" r:id="rId9"/>
   </p:sldIdLst>
   <p:sldSz cx="12192000" cy="6858000"/>
   <p:notesSz cx="6858000" cy="9144000"/>
@@ -214,7 +215,7 @@
           <a:p>
             <a:fld id="{E933A773-0DCE-3544-BB67-D5FA58DF903C}" type="datetimeFigureOut">
               <a:rPr lang="en-US" smtClean="0"/>
-              <a:t>1/11/24</a:t>
+              <a:t>1/12/24</a:t>
             </a:fld>
             <a:endParaRPr lang="en-US"/>
           </a:p>
@@ -707,6 +708,47 @@
                 <a:effectLst/>
                 <a:latin typeface="Menlo" panose="020B0609030804020204" pitchFamily="49" charset="0"/>
               </a:rPr>
+              <a:t>There’s only 1 patient in myocarditis dataset that had colitis and had </a:t>
+            </a:r>
+            <a:r>
+              <a:rPr lang="en-US" b="0" dirty="0" err="1">
+                <a:solidFill>
+                  <a:srgbClr val="CCCCCC"/>
+                </a:solidFill>
+                <a:effectLst/>
+                <a:latin typeface="Menlo" panose="020B0609030804020204" pitchFamily="49" charset="0"/>
+              </a:rPr>
+              <a:t>scRNAseq</a:t>
+            </a:r>
+            <a:r>
+              <a:rPr lang="en-US" b="0" dirty="0">
+                <a:solidFill>
+                  <a:srgbClr val="CCCCCC"/>
+                </a:solidFill>
+                <a:effectLst/>
+                <a:latin typeface="Menlo" panose="020B0609030804020204" pitchFamily="49" charset="0"/>
+              </a:rPr>
+              <a:t> data… not worth looking into anything with n = 1 I don’t think</a:t>
+            </a:r>
+          </a:p>
+          <a:p>
+            <a:endParaRPr lang="en-US" b="0" dirty="0">
+              <a:solidFill>
+                <a:srgbClr val="CCCCCC"/>
+              </a:solidFill>
+              <a:effectLst/>
+              <a:latin typeface="Menlo" panose="020B0609030804020204" pitchFamily="49" charset="0"/>
+            </a:endParaRPr>
+          </a:p>
+          <a:p>
+            <a:r>
+              <a:rPr lang="en-US" b="0" dirty="0">
+                <a:solidFill>
+                  <a:srgbClr val="CCCCCC"/>
+                </a:solidFill>
+                <a:effectLst/>
+                <a:latin typeface="Menlo" panose="020B0609030804020204" pitchFamily="49" charset="0"/>
+              </a:rPr>
               <a:t># </a:t>
             </a:r>
             <a:r>
@@ -990,36 +1032,13 @@
           <a:bodyPr/>
           <a:lstStyle/>
           <a:p>
-            <a:r>
-              <a:rPr lang="en-US" b="0" dirty="0">
-                <a:solidFill>
-                  <a:srgbClr val="CCCCCC"/>
-                </a:solidFill>
-                <a:effectLst/>
-                <a:latin typeface="Menlo" panose="020B0609030804020204" pitchFamily="49" charset="0"/>
-              </a:rPr>
-              <a:t>Myocarditis: # </a:t>
-            </a:r>
-            <a:r>
-              <a:rPr lang="en-US" b="0" dirty="0" err="1">
-                <a:solidFill>
-                  <a:srgbClr val="CCCCCC"/>
-                </a:solidFill>
-                <a:effectLst/>
-                <a:latin typeface="Menlo" panose="020B0609030804020204" pitchFamily="49" charset="0"/>
-              </a:rPr>
-              <a:t>padj</a:t>
-            </a:r>
-            <a:r>
-              <a:rPr lang="en-US" b="0" dirty="0">
-                <a:solidFill>
-                  <a:srgbClr val="CCCCCC"/>
-                </a:solidFill>
-                <a:effectLst/>
-                <a:latin typeface="Menlo" panose="020B0609030804020204" pitchFamily="49" charset="0"/>
-              </a:rPr>
-              <a:t> = 0.08 for CD8 T within l1 group, CD8 TEM within l2 group</a:t>
-            </a:r>
+            <a:endParaRPr lang="en-US" b="0" dirty="0">
+              <a:solidFill>
+                <a:srgbClr val="CCCCCC"/>
+              </a:solidFill>
+              <a:effectLst/>
+              <a:latin typeface="Menlo" panose="020B0609030804020204" pitchFamily="49" charset="0"/>
+            </a:endParaRPr>
           </a:p>
         </p:txBody>
       </p:sp>
@@ -1104,6 +1123,16 @@
           <a:lstStyle/>
           <a:p>
             <a:r>
+              <a:rPr lang="en-US" b="0" dirty="0" err="1">
+                <a:solidFill>
+                  <a:srgbClr val="CCCCCC"/>
+                </a:solidFill>
+                <a:effectLst/>
+                <a:latin typeface="Menlo" panose="020B0609030804020204" pitchFamily="49" charset="0"/>
+              </a:rPr>
+              <a:t>Myo</a:t>
+            </a:r>
+            <a:r>
               <a:rPr lang="en-US" b="0" dirty="0">
                 <a:solidFill>
                   <a:srgbClr val="CCCCCC"/>
@@ -1111,10 +1140,18 @@
                 <a:effectLst/>
                 <a:latin typeface="Menlo" panose="020B0609030804020204" pitchFamily="49" charset="0"/>
               </a:rPr>
-              <a:t># CD4 Naive TRB hydrophobicity 70, 90%</a:t>
-            </a:r>
-          </a:p>
-          <a:p>
+              <a:t> # CD4 T: 0.00062 (</a:t>
+            </a:r>
+            <a:r>
+              <a:rPr lang="en-US" b="0" dirty="0" err="1">
+                <a:solidFill>
+                  <a:srgbClr val="CCCCCC"/>
+                </a:solidFill>
+                <a:effectLst/>
+                <a:latin typeface="Menlo" panose="020B0609030804020204" pitchFamily="49" charset="0"/>
+              </a:rPr>
+              <a:t>padj</a:t>
+            </a:r>
             <a:r>
               <a:rPr lang="en-US" b="0" dirty="0">
                 <a:solidFill>
@@ -1123,7 +1160,28 @@
                 <a:effectLst/>
                 <a:latin typeface="Menlo" panose="020B0609030804020204" pitchFamily="49" charset="0"/>
               </a:rPr>
-              <a:t># CD4 TCM TRB </a:t>
+              <a:t>)</a:t>
+            </a:r>
+          </a:p>
+          <a:p>
+            <a:endParaRPr lang="en-US" b="0" dirty="0">
+              <a:solidFill>
+                <a:srgbClr val="CCCCCC"/>
+              </a:solidFill>
+              <a:effectLst/>
+              <a:latin typeface="Menlo" panose="020B0609030804020204" pitchFamily="49" charset="0"/>
+            </a:endParaRPr>
+          </a:p>
+          <a:p>
+            <a:r>
+              <a:rPr lang="en-US" b="0" dirty="0">
+                <a:solidFill>
+                  <a:srgbClr val="CCCCCC"/>
+                </a:solidFill>
+                <a:effectLst/>
+                <a:latin typeface="Menlo" panose="020B0609030804020204" pitchFamily="49" charset="0"/>
+              </a:rPr>
+              <a:t>Colitis # CD4 T: 2e-6 (</a:t>
             </a:r>
             <a:r>
               <a:rPr lang="en-US" b="0" dirty="0" err="1">
@@ -1133,7 +1191,7 @@
                 <a:effectLst/>
                 <a:latin typeface="Menlo" panose="020B0609030804020204" pitchFamily="49" charset="0"/>
               </a:rPr>
-              <a:t>hycrophobicity</a:t>
+              <a:t>padj</a:t>
             </a:r>
             <a:r>
               <a:rPr lang="en-US" b="0" dirty="0">
@@ -1143,31 +1201,7 @@
                 <a:effectLst/>
                 <a:latin typeface="Menlo" panose="020B0609030804020204" pitchFamily="49" charset="0"/>
               </a:rPr>
-              <a:t> 70%</a:t>
-            </a:r>
-          </a:p>
-          <a:p>
-            <a:r>
-              <a:rPr lang="en-US" b="0" dirty="0">
-                <a:solidFill>
-                  <a:srgbClr val="CCCCCC"/>
-                </a:solidFill>
-                <a:effectLst/>
-                <a:latin typeface="Menlo" panose="020B0609030804020204" pitchFamily="49" charset="0"/>
-              </a:rPr>
-              <a:t># CD4 TCM TRB CDR3 length 70%</a:t>
-            </a:r>
-          </a:p>
-          <a:p>
-            <a:r>
-              <a:rPr lang="en-US" b="0" dirty="0">
-                <a:solidFill>
-                  <a:srgbClr val="CCCCCC"/>
-                </a:solidFill>
-                <a:effectLst/>
-                <a:latin typeface="Menlo" panose="020B0609030804020204" pitchFamily="49" charset="0"/>
-              </a:rPr>
-              <a:t># CD4 TEM TRA hydrophobicity 30%</a:t>
+              <a:t>)</a:t>
             </a:r>
           </a:p>
         </p:txBody>
@@ -1198,7 +1232,7 @@
     </p:spTree>
     <p:extLst>
       <p:ext uri="{BB962C8B-B14F-4D97-AF65-F5344CB8AC3E}">
-        <p14:creationId xmlns:p14="http://schemas.microsoft.com/office/powerpoint/2010/main" val="307124422"/>
+        <p14:creationId xmlns:p14="http://schemas.microsoft.com/office/powerpoint/2010/main" val="2439400436"/>
       </p:ext>
     </p:extLst>
   </p:cSld>
@@ -1252,13 +1286,72 @@
           <a:bodyPr/>
           <a:lstStyle/>
           <a:p>
-            <a:endParaRPr lang="en-US" b="0" dirty="0">
-              <a:solidFill>
-                <a:srgbClr val="CCCCCC"/>
-              </a:solidFill>
-              <a:effectLst/>
-              <a:latin typeface="Menlo" panose="020B0609030804020204" pitchFamily="49" charset="0"/>
-            </a:endParaRPr>
+            <a:r>
+              <a:rPr lang="en-US" b="0" dirty="0">
+                <a:solidFill>
+                  <a:srgbClr val="CCCCCC"/>
+                </a:solidFill>
+                <a:effectLst/>
+                <a:latin typeface="Menlo" panose="020B0609030804020204" pitchFamily="49" charset="0"/>
+              </a:rPr>
+              <a:t># CD4 Naive TRB hydrophobicity 70, 90%</a:t>
+            </a:r>
+          </a:p>
+          <a:p>
+            <a:r>
+              <a:rPr lang="en-US" b="0" dirty="0">
+                <a:solidFill>
+                  <a:srgbClr val="CCCCCC"/>
+                </a:solidFill>
+                <a:effectLst/>
+                <a:latin typeface="Menlo" panose="020B0609030804020204" pitchFamily="49" charset="0"/>
+              </a:rPr>
+              <a:t># CD4 TCM TRB </a:t>
+            </a:r>
+            <a:r>
+              <a:rPr lang="en-US" b="0" dirty="0" err="1">
+                <a:solidFill>
+                  <a:srgbClr val="CCCCCC"/>
+                </a:solidFill>
+                <a:effectLst/>
+                <a:latin typeface="Menlo" panose="020B0609030804020204" pitchFamily="49" charset="0"/>
+              </a:rPr>
+              <a:t>hycrophobicity</a:t>
+            </a:r>
+            <a:r>
+              <a:rPr lang="en-US" b="0" dirty="0">
+                <a:solidFill>
+                  <a:srgbClr val="CCCCCC"/>
+                </a:solidFill>
+                <a:effectLst/>
+                <a:latin typeface="Menlo" panose="020B0609030804020204" pitchFamily="49" charset="0"/>
+              </a:rPr>
+              <a:t> 70%</a:t>
+            </a:r>
+          </a:p>
+          <a:p>
+            <a:r>
+              <a:rPr lang="en-US" b="0" dirty="0">
+                <a:solidFill>
+                  <a:srgbClr val="CCCCCC"/>
+                </a:solidFill>
+                <a:effectLst/>
+                <a:latin typeface="Menlo" panose="020B0609030804020204" pitchFamily="49" charset="0"/>
+              </a:rPr>
+              <a:t># CD4 TCM TRB CDR3 length 70%</a:t>
+            </a:r>
+          </a:p>
+          <a:p>
+            <a:r>
+              <a:rPr lang="en-US" b="0" dirty="0">
+                <a:solidFill>
+                  <a:srgbClr val="CCCCCC"/>
+                </a:solidFill>
+                <a:effectLst/>
+                <a:latin typeface="Menlo" panose="020B0609030804020204" pitchFamily="49" charset="0"/>
+              </a:rPr>
+              <a:t># CD4 TEM TRA hydrophobicity 30%</a:t>
+            </a:r>
           </a:p>
         </p:txBody>
       </p:sp>
@@ -1288,7 +1381,7 @@
     </p:spTree>
     <p:extLst>
       <p:ext uri="{BB962C8B-B14F-4D97-AF65-F5344CB8AC3E}">
-        <p14:creationId xmlns:p14="http://schemas.microsoft.com/office/powerpoint/2010/main" val="1028129820"/>
+        <p14:creationId xmlns:p14="http://schemas.microsoft.com/office/powerpoint/2010/main" val="307124422"/>
       </p:ext>
     </p:extLst>
   </p:cSld>
@@ -1370,6 +1463,96 @@
             <a:fld id="{061BAA8C-FDC6-D345-B4E0-3B02449209FB}" type="slidenum">
               <a:rPr lang="en-US" smtClean="0"/>
               <a:t>7</a:t>
+            </a:fld>
+            <a:endParaRPr lang="en-US"/>
+          </a:p>
+        </p:txBody>
+      </p:sp>
+    </p:spTree>
+    <p:extLst>
+      <p:ext uri="{BB962C8B-B14F-4D97-AF65-F5344CB8AC3E}">
+        <p14:creationId xmlns:p14="http://schemas.microsoft.com/office/powerpoint/2010/main" val="1028129820"/>
+      </p:ext>
+    </p:extLst>
+  </p:cSld>
+  <p:clrMapOvr>
+    <a:masterClrMapping/>
+  </p:clrMapOvr>
+</p:notes>
+</file>
+
+<file path=ppt/notesSlides/notesSlide8.xml><?xml version="1.0" encoding="utf-8"?>
+<p:notes xmlns:a="http://schemas.openxmlformats.org/drawingml/2006/main" xmlns:r="http://schemas.openxmlformats.org/officeDocument/2006/relationships" xmlns:p="http://schemas.openxmlformats.org/presentationml/2006/main">
+  <p:cSld>
+    <p:spTree>
+      <p:nvGrpSpPr>
+        <p:cNvPr id="1" name=""/>
+        <p:cNvGrpSpPr/>
+        <p:nvPr/>
+      </p:nvGrpSpPr>
+      <p:grpSpPr>
+        <a:xfrm>
+          <a:off x="0" y="0"/>
+          <a:ext cx="0" cy="0"/>
+          <a:chOff x="0" y="0"/>
+          <a:chExt cx="0" cy="0"/>
+        </a:xfrm>
+      </p:grpSpPr>
+      <p:sp>
+        <p:nvSpPr>
+          <p:cNvPr id="2" name="Slide Image Placeholder 1"/>
+          <p:cNvSpPr>
+            <a:spLocks noGrp="1" noRot="1" noChangeAspect="1"/>
+          </p:cNvSpPr>
+          <p:nvPr>
+            <p:ph type="sldImg"/>
+          </p:nvPr>
+        </p:nvSpPr>
+        <p:spPr/>
+      </p:sp>
+      <p:sp>
+        <p:nvSpPr>
+          <p:cNvPr id="3" name="Notes Placeholder 2"/>
+          <p:cNvSpPr>
+            <a:spLocks noGrp="1"/>
+          </p:cNvSpPr>
+          <p:nvPr>
+            <p:ph type="body" idx="1"/>
+          </p:nvPr>
+        </p:nvSpPr>
+        <p:spPr/>
+        <p:txBody>
+          <a:bodyPr/>
+          <a:lstStyle/>
+          <a:p>
+            <a:endParaRPr lang="en-US" b="0" dirty="0">
+              <a:solidFill>
+                <a:srgbClr val="CCCCCC"/>
+              </a:solidFill>
+              <a:effectLst/>
+              <a:latin typeface="Menlo" panose="020B0609030804020204" pitchFamily="49" charset="0"/>
+            </a:endParaRPr>
+          </a:p>
+        </p:txBody>
+      </p:sp>
+      <p:sp>
+        <p:nvSpPr>
+          <p:cNvPr id="4" name="Slide Number Placeholder 3"/>
+          <p:cNvSpPr>
+            <a:spLocks noGrp="1"/>
+          </p:cNvSpPr>
+          <p:nvPr>
+            <p:ph type="sldNum" sz="quarter" idx="5"/>
+          </p:nvPr>
+        </p:nvSpPr>
+        <p:spPr/>
+        <p:txBody>
+          <a:bodyPr/>
+          <a:lstStyle/>
+          <a:p>
+            <a:fld id="{061BAA8C-FDC6-D345-B4E0-3B02449209FB}" type="slidenum">
+              <a:rPr lang="en-US" smtClean="0"/>
+              <a:t>8</a:t>
             </a:fld>
             <a:endParaRPr lang="en-US"/>
           </a:p>
@@ -1535,7 +1718,7 @@
           <a:p>
             <a:fld id="{80FC6068-BAFB-FC44-B9D8-F4B3BB105DE6}" type="datetimeFigureOut">
               <a:rPr lang="en-US" smtClean="0"/>
-              <a:t>1/11/24</a:t>
+              <a:t>1/12/24</a:t>
             </a:fld>
             <a:endParaRPr lang="en-US"/>
           </a:p>
@@ -1733,7 +1916,7 @@
           <a:p>
             <a:fld id="{80FC6068-BAFB-FC44-B9D8-F4B3BB105DE6}" type="datetimeFigureOut">
               <a:rPr lang="en-US" smtClean="0"/>
-              <a:t>1/11/24</a:t>
+              <a:t>1/12/24</a:t>
             </a:fld>
             <a:endParaRPr lang="en-US"/>
           </a:p>
@@ -1941,7 +2124,7 @@
           <a:p>
             <a:fld id="{80FC6068-BAFB-FC44-B9D8-F4B3BB105DE6}" type="datetimeFigureOut">
               <a:rPr lang="en-US" smtClean="0"/>
-              <a:t>1/11/24</a:t>
+              <a:t>1/12/24</a:t>
             </a:fld>
             <a:endParaRPr lang="en-US"/>
           </a:p>
@@ -2145,7 +2328,7 @@
           <a:p>
             <a:fld id="{80FC6068-BAFB-FC44-B9D8-F4B3BB105DE6}" type="datetimeFigureOut">
               <a:rPr lang="en-US" smtClean="0"/>
-              <a:t>1/11/24</a:t>
+              <a:t>1/12/24</a:t>
             </a:fld>
             <a:endParaRPr lang="en-US"/>
           </a:p>
@@ -2436,7 +2619,7 @@
           <a:p>
             <a:fld id="{80FC6068-BAFB-FC44-B9D8-F4B3BB105DE6}" type="datetimeFigureOut">
               <a:rPr lang="en-US" smtClean="0"/>
-              <a:t>1/11/24</a:t>
+              <a:t>1/12/24</a:t>
             </a:fld>
             <a:endParaRPr lang="en-US"/>
           </a:p>
@@ -2701,7 +2884,7 @@
           <a:p>
             <a:fld id="{80FC6068-BAFB-FC44-B9D8-F4B3BB105DE6}" type="datetimeFigureOut">
               <a:rPr lang="en-US" smtClean="0"/>
-              <a:t>1/11/24</a:t>
+              <a:t>1/12/24</a:t>
             </a:fld>
             <a:endParaRPr lang="en-US"/>
           </a:p>
@@ -3113,7 +3296,7 @@
           <a:p>
             <a:fld id="{80FC6068-BAFB-FC44-B9D8-F4B3BB105DE6}" type="datetimeFigureOut">
               <a:rPr lang="en-US" smtClean="0"/>
-              <a:t>1/11/24</a:t>
+              <a:t>1/12/24</a:t>
             </a:fld>
             <a:endParaRPr lang="en-US"/>
           </a:p>
@@ -3254,7 +3437,7 @@
           <a:p>
             <a:fld id="{80FC6068-BAFB-FC44-B9D8-F4B3BB105DE6}" type="datetimeFigureOut">
               <a:rPr lang="en-US" smtClean="0"/>
-              <a:t>1/11/24</a:t>
+              <a:t>1/12/24</a:t>
             </a:fld>
             <a:endParaRPr lang="en-US"/>
           </a:p>
@@ -3367,7 +3550,7 @@
           <a:p>
             <a:fld id="{80FC6068-BAFB-FC44-B9D8-F4B3BB105DE6}" type="datetimeFigureOut">
               <a:rPr lang="en-US" smtClean="0"/>
-              <a:t>1/11/24</a:t>
+              <a:t>1/12/24</a:t>
             </a:fld>
             <a:endParaRPr lang="en-US"/>
           </a:p>
@@ -3678,7 +3861,7 @@
           <a:p>
             <a:fld id="{80FC6068-BAFB-FC44-B9D8-F4B3BB105DE6}" type="datetimeFigureOut">
               <a:rPr lang="en-US" smtClean="0"/>
-              <a:t>1/11/24</a:t>
+              <a:t>1/12/24</a:t>
             </a:fld>
             <a:endParaRPr lang="en-US"/>
           </a:p>
@@ -3966,7 +4149,7 @@
           <a:p>
             <a:fld id="{80FC6068-BAFB-FC44-B9D8-F4B3BB105DE6}" type="datetimeFigureOut">
               <a:rPr lang="en-US" smtClean="0"/>
-              <a:t>1/11/24</a:t>
+              <a:t>1/12/24</a:t>
             </a:fld>
             <a:endParaRPr lang="en-US"/>
           </a:p>
@@ -4207,7 +4390,7 @@
           <a:p>
             <a:fld id="{80FC6068-BAFB-FC44-B9D8-F4B3BB105DE6}" type="datetimeFigureOut">
               <a:rPr lang="en-US" smtClean="0"/>
-              <a:t>1/11/24</a:t>
+              <a:t>1/12/24</a:t>
             </a:fld>
             <a:endParaRPr lang="en-US"/>
           </a:p>
@@ -5434,7 +5617,7 @@
         </p:blipFill>
         <p:spPr>
           <a:xfrm>
-            <a:off x="7302946" y="4488573"/>
+            <a:off x="7302947" y="4383468"/>
             <a:ext cx="3997960" cy="2469158"/>
           </a:xfrm>
           <a:prstGeom prst="rect">
@@ -5532,204 +5715,179 @@
           <a:p>
             <a:r>
               <a:rPr lang="en-US" b="1" dirty="0"/>
-              <a:t>Not sure if I should group by patient/group before slicing</a:t>
-            </a:r>
-          </a:p>
-        </p:txBody>
-      </p:sp>
-      <p:sp>
-        <p:nvSpPr>
-          <p:cNvPr id="5" name="TextBox 4">
-            <a:extLst>
-              <a:ext uri="{FF2B5EF4-FFF2-40B4-BE49-F238E27FC236}">
-                <a16:creationId xmlns:a16="http://schemas.microsoft.com/office/drawing/2014/main" id="{DA3333FF-7FC9-625A-54C7-3DD46FA3DB3B}"/>
-              </a:ext>
-            </a:extLst>
-          </p:cNvPr>
-          <p:cNvSpPr txBox="1"/>
-          <p:nvPr/>
+              <a:t>Convergence methods</a:t>
+            </a:r>
+          </a:p>
+        </p:txBody>
+      </p:sp>
+      <p:sp>
+        <p:nvSpPr>
+          <p:cNvPr id="14" name="Content Placeholder 2">
+            <a:extLst>
+              <a:ext uri="{FF2B5EF4-FFF2-40B4-BE49-F238E27FC236}">
+                <a16:creationId xmlns:a16="http://schemas.microsoft.com/office/drawing/2014/main" id="{86677852-45F5-FF44-A1F6-968E91099513}"/>
+              </a:ext>
+            </a:extLst>
+          </p:cNvPr>
+          <p:cNvSpPr>
+            <a:spLocks noGrp="1"/>
+          </p:cNvSpPr>
+          <p:nvPr>
+            <p:ph idx="1"/>
+          </p:nvPr>
         </p:nvSpPr>
         <p:spPr>
           <a:xfrm>
-            <a:off x="1859280" y="1897658"/>
-            <a:ext cx="2296160" cy="369332"/>
+            <a:off x="838200" y="1919290"/>
+            <a:ext cx="10124440" cy="4593654"/>
           </a:xfrm>
-          <a:prstGeom prst="rect">
-            <a:avLst/>
-          </a:prstGeom>
-          <a:noFill/>
         </p:spPr>
         <p:txBody>
-          <a:bodyPr wrap="square" rtlCol="0">
-            <a:spAutoFit/>
+          <a:bodyPr>
+            <a:normAutofit fontScale="92500" lnSpcReduction="10000"/>
           </a:bodyPr>
           <a:lstStyle/>
           <a:p>
-            <a:r>
-              <a:rPr lang="en-US" dirty="0"/>
-              <a:t>Myocarditis dataset</a:t>
-            </a:r>
-          </a:p>
-        </p:txBody>
-      </p:sp>
-      <p:sp>
-        <p:nvSpPr>
-          <p:cNvPr id="6" name="TextBox 5">
-            <a:extLst>
-              <a:ext uri="{FF2B5EF4-FFF2-40B4-BE49-F238E27FC236}">
-                <a16:creationId xmlns:a16="http://schemas.microsoft.com/office/drawing/2014/main" id="{5DC335F2-F2D2-828C-C37A-E24E13038A5E}"/>
-              </a:ext>
-            </a:extLst>
-          </p:cNvPr>
-          <p:cNvSpPr txBox="1"/>
-          <p:nvPr/>
-        </p:nvSpPr>
-        <p:spPr>
-          <a:xfrm>
-            <a:off x="3637192" y="5934670"/>
-            <a:ext cx="5488041" cy="923330"/>
-          </a:xfrm>
-          <a:prstGeom prst="rect">
-            <a:avLst/>
-          </a:prstGeom>
-          <a:noFill/>
-        </p:spPr>
-        <p:txBody>
-          <a:bodyPr wrap="none" rtlCol="0">
-            <a:spAutoFit/>
-          </a:bodyPr>
-          <a:lstStyle/>
-          <a:p>
-            <a:r>
-              <a:rPr lang="en-US" dirty="0"/>
-              <a:t>Caveats:</a:t>
-            </a:r>
-          </a:p>
-          <a:p>
-            <a:r>
-              <a:rPr lang="en-US" dirty="0"/>
-              <a:t> - including both </a:t>
-            </a:r>
-            <a:r>
-              <a:rPr lang="en-US" dirty="0" err="1"/>
-              <a:t>intrapatient</a:t>
-            </a:r>
-            <a:r>
-              <a:rPr lang="en-US" dirty="0"/>
-              <a:t> &amp; interpatient convergence</a:t>
-            </a:r>
-          </a:p>
-          <a:p>
-            <a:r>
-              <a:rPr lang="en-US" dirty="0"/>
-              <a:t> - some CDR3 AAs present in both </a:t>
-            </a:r>
-            <a:r>
-              <a:rPr lang="en-US" dirty="0" err="1"/>
+            <a:pPr marL="514350" indent="-514350">
+              <a:buFont typeface="+mj-lt"/>
+              <a:buAutoNum type="arabicPeriod"/>
+            </a:pPr>
+            <a:r>
+              <a:rPr lang="en-US" b="0" dirty="0">
+                <a:effectLst/>
+              </a:rPr>
+              <a:t>Colitis dataset: filter out no ICI group</a:t>
+            </a:r>
+          </a:p>
+          <a:p>
+            <a:pPr marL="514350" indent="-514350">
+              <a:buFont typeface="+mj-lt"/>
+              <a:buAutoNum type="arabicPeriod"/>
+            </a:pPr>
+            <a:r>
+              <a:rPr lang="en-US" b="0" dirty="0">
+                <a:effectLst/>
+              </a:rPr>
+              <a:t>Group by cdr3 AA sequence</a:t>
+            </a:r>
+          </a:p>
+          <a:p>
+            <a:pPr marL="514350" indent="-514350">
+              <a:buFont typeface="+mj-lt"/>
+              <a:buAutoNum type="arabicPeriod"/>
+            </a:pPr>
+            <a:r>
+              <a:rPr lang="en-US" b="0" dirty="0">
+                <a:effectLst/>
+              </a:rPr>
+              <a:t>Count </a:t>
+            </a:r>
+            <a:r>
+              <a:rPr lang="en-US" b="0" dirty="0" err="1">
+                <a:effectLst/>
+              </a:rPr>
+              <a:t>n_distinct</a:t>
+            </a:r>
+            <a:r>
+              <a:rPr lang="en-US" b="0" dirty="0">
+                <a:effectLst/>
+              </a:rPr>
+              <a:t> cdr3 NT seqs per CDR3 AA</a:t>
+            </a:r>
+          </a:p>
+          <a:p>
+            <a:pPr marL="514350" indent="-514350">
+              <a:buFont typeface="+mj-lt"/>
+              <a:buAutoNum type="arabicPeriod"/>
+            </a:pPr>
+            <a:r>
+              <a:rPr lang="en-US" b="0" dirty="0">
+                <a:effectLst/>
+              </a:rPr>
+              <a:t>Ungroup</a:t>
+            </a:r>
+          </a:p>
+          <a:p>
+            <a:pPr marL="514350" indent="-514350">
+              <a:buFont typeface="+mj-lt"/>
+              <a:buAutoNum type="arabicPeriod"/>
+            </a:pPr>
+            <a:r>
+              <a:rPr lang="en-US" b="0" dirty="0">
+                <a:effectLst/>
+              </a:rPr>
+              <a:t>Group by CDR3 and </a:t>
+            </a:r>
+            <a:r>
+              <a:rPr lang="en-US" b="0" dirty="0" err="1">
+                <a:effectLst/>
+              </a:rPr>
               <a:t>irAE</a:t>
             </a:r>
             <a:r>
-              <a:rPr lang="en-US" dirty="0"/>
-              <a:t> groups</a:t>
-            </a:r>
-          </a:p>
-        </p:txBody>
-      </p:sp>
-      <p:sp>
-        <p:nvSpPr>
-          <p:cNvPr id="9" name="TextBox 8">
-            <a:extLst>
-              <a:ext uri="{FF2B5EF4-FFF2-40B4-BE49-F238E27FC236}">
-                <a16:creationId xmlns:a16="http://schemas.microsoft.com/office/drawing/2014/main" id="{507DAEF8-ACAC-CDCE-83DB-BF54627A8045}"/>
-              </a:ext>
-            </a:extLst>
-          </p:cNvPr>
-          <p:cNvSpPr txBox="1"/>
-          <p:nvPr/>
-        </p:nvSpPr>
-        <p:spPr>
-          <a:xfrm>
-            <a:off x="7977153" y="1948458"/>
-            <a:ext cx="2296160" cy="369332"/>
-          </a:xfrm>
-          <a:prstGeom prst="rect">
-            <a:avLst/>
-          </a:prstGeom>
-          <a:noFill/>
-        </p:spPr>
-        <p:txBody>
-          <a:bodyPr wrap="square" rtlCol="0">
-            <a:spAutoFit/>
-          </a:bodyPr>
-          <a:lstStyle/>
-          <a:p>
-            <a:r>
-              <a:rPr lang="en-US" dirty="0"/>
-              <a:t>Colitis dataset</a:t>
-            </a:r>
-          </a:p>
-        </p:txBody>
-      </p:sp>
-      <p:pic>
-        <p:nvPicPr>
-          <p:cNvPr id="10" name="Picture 9">
-            <a:extLst>
-              <a:ext uri="{FF2B5EF4-FFF2-40B4-BE49-F238E27FC236}">
-                <a16:creationId xmlns:a16="http://schemas.microsoft.com/office/drawing/2014/main" id="{E89F5A91-65F1-7C60-262A-69EA7A5BA356}"/>
-              </a:ext>
-            </a:extLst>
-          </p:cNvPr>
-          <p:cNvPicPr>
-            <a:picLocks noChangeAspect="1"/>
-          </p:cNvPicPr>
-          <p:nvPr/>
-        </p:nvPicPr>
-        <p:blipFill>
-          <a:blip r:embed="rId3"/>
-          <a:stretch>
-            <a:fillRect/>
-          </a:stretch>
-        </p:blipFill>
-        <p:spPr>
-          <a:xfrm>
-            <a:off x="1" y="2266827"/>
-            <a:ext cx="5891036" cy="3701219"/>
-          </a:xfrm>
-          <a:prstGeom prst="rect">
-            <a:avLst/>
-          </a:prstGeom>
-        </p:spPr>
-      </p:pic>
-      <p:pic>
-        <p:nvPicPr>
-          <p:cNvPr id="11" name="Picture 10">
-            <a:extLst>
-              <a:ext uri="{FF2B5EF4-FFF2-40B4-BE49-F238E27FC236}">
-                <a16:creationId xmlns:a16="http://schemas.microsoft.com/office/drawing/2014/main" id="{9A0097EA-159A-371C-79D2-D4941C4C1B11}"/>
-              </a:ext>
-            </a:extLst>
-          </p:cNvPr>
-          <p:cNvPicPr>
-            <a:picLocks noChangeAspect="1"/>
-          </p:cNvPicPr>
-          <p:nvPr/>
-        </p:nvPicPr>
-        <p:blipFill>
-          <a:blip r:embed="rId4"/>
-          <a:stretch>
-            <a:fillRect/>
-          </a:stretch>
-        </p:blipFill>
-        <p:spPr>
-          <a:xfrm>
-            <a:off x="5979160" y="2291044"/>
-            <a:ext cx="5767353" cy="3677002"/>
-          </a:xfrm>
-          <a:prstGeom prst="rect">
-            <a:avLst/>
-          </a:prstGeom>
-        </p:spPr>
-      </p:pic>
+              <a:rPr lang="en-US" b="0" dirty="0">
+                <a:effectLst/>
+              </a:rPr>
+              <a:t> group (to deal with cases where CDR3 in both groups, also don’t want to group by patient because then double counting CDR3s?)</a:t>
+            </a:r>
+          </a:p>
+          <a:p>
+            <a:pPr marL="514350" indent="-514350">
+              <a:buFont typeface="+mj-lt"/>
+              <a:buAutoNum type="arabicPeriod"/>
+            </a:pPr>
+            <a:r>
+              <a:rPr lang="en-US" b="0" dirty="0">
+                <a:effectLst/>
+              </a:rPr>
+              <a:t>Slice(1)</a:t>
+            </a:r>
+          </a:p>
+          <a:p>
+            <a:pPr marL="514350" indent="-514350">
+              <a:buFont typeface="+mj-lt"/>
+              <a:buAutoNum type="arabicPeriod"/>
+            </a:pPr>
+            <a:r>
+              <a:rPr lang="en-US" b="0" dirty="0">
+                <a:effectLst/>
+              </a:rPr>
+              <a:t>Perform </a:t>
+            </a:r>
+            <a:r>
+              <a:rPr lang="en-US" b="0" dirty="0" err="1">
+                <a:effectLst/>
+              </a:rPr>
+              <a:t>wilcox</a:t>
+            </a:r>
+            <a:r>
+              <a:rPr lang="en-US" b="0" dirty="0">
+                <a:effectLst/>
+              </a:rPr>
+              <a:t> test on distributions of CDR3 NT seqs/CDR3 AA for 2 groups</a:t>
+            </a:r>
+          </a:p>
+          <a:p>
+            <a:pPr marL="514350" indent="-514350">
+              <a:buFont typeface="+mj-lt"/>
+              <a:buAutoNum type="arabicPeriod"/>
+            </a:pPr>
+            <a:r>
+              <a:rPr lang="en-US" b="0" dirty="0">
+                <a:effectLst/>
+              </a:rPr>
+              <a:t>To plot histogram, normalize each group by sum of counts</a:t>
+            </a:r>
+          </a:p>
+          <a:p>
+            <a:pPr marL="514350" indent="-514350">
+              <a:buFont typeface="+mj-lt"/>
+              <a:buAutoNum type="arabicPeriod"/>
+            </a:pPr>
+            <a:endParaRPr lang="en-US" dirty="0"/>
+          </a:p>
+        </p:txBody>
+      </p:sp>
     </p:spTree>
     <p:extLst>
       <p:ext uri="{BB962C8B-B14F-4D97-AF65-F5344CB8AC3E}">
@@ -5789,8 +5947,16 @@
           <a:lstStyle/>
           <a:p>
             <a:r>
-              <a:rPr lang="en-US" dirty="0"/>
-              <a:t>Given ability of rare clonotypes to drive disease, also looked into non-cumulative clonotype heatmaps</a:t>
+              <a:rPr lang="en-US" b="1" dirty="0"/>
+              <a:t>Convergence might be higher in CD4 Ts in no </a:t>
+            </a:r>
+            <a:r>
+              <a:rPr lang="en-US" b="1" dirty="0" err="1"/>
+              <a:t>irAE</a:t>
+            </a:r>
+            <a:r>
+              <a:rPr lang="en-US" b="1" dirty="0"/>
+              <a:t> group?</a:t>
             </a:r>
           </a:p>
         </p:txBody>
@@ -5809,7 +5975,7 @@
         </p:nvSpPr>
         <p:spPr>
           <a:xfrm>
-            <a:off x="1859280" y="2527578"/>
+            <a:off x="1859280" y="1897658"/>
             <a:ext cx="2296160" cy="369332"/>
           </a:xfrm>
           <a:prstGeom prst="rect">
@@ -5830,12 +5996,96 @@
           </a:p>
         </p:txBody>
       </p:sp>
+      <p:sp>
+        <p:nvSpPr>
+          <p:cNvPr id="6" name="TextBox 5">
+            <a:extLst>
+              <a:ext uri="{FF2B5EF4-FFF2-40B4-BE49-F238E27FC236}">
+                <a16:creationId xmlns:a16="http://schemas.microsoft.com/office/drawing/2014/main" id="{5DC335F2-F2D2-828C-C37A-E24E13038A5E}"/>
+              </a:ext>
+            </a:extLst>
+          </p:cNvPr>
+          <p:cNvSpPr txBox="1"/>
+          <p:nvPr/>
+        </p:nvSpPr>
+        <p:spPr>
+          <a:xfrm>
+            <a:off x="3447795" y="6046595"/>
+            <a:ext cx="5488041" cy="646331"/>
+          </a:xfrm>
+          <a:prstGeom prst="rect">
+            <a:avLst/>
+          </a:prstGeom>
+          <a:noFill/>
+        </p:spPr>
+        <p:txBody>
+          <a:bodyPr wrap="none" rtlCol="0">
+            <a:spAutoFit/>
+          </a:bodyPr>
+          <a:lstStyle/>
+          <a:p>
+            <a:r>
+              <a:rPr lang="en-US" dirty="0"/>
+              <a:t>Caveat:</a:t>
+            </a:r>
+          </a:p>
+          <a:p>
+            <a:r>
+              <a:rPr lang="en-US" dirty="0"/>
+              <a:t> - including both </a:t>
+            </a:r>
+            <a:r>
+              <a:rPr lang="en-US" dirty="0" err="1"/>
+              <a:t>intrapatient</a:t>
+            </a:r>
+            <a:r>
+              <a:rPr lang="en-US" dirty="0"/>
+              <a:t> &amp; interpatient convergence</a:t>
+            </a:r>
+          </a:p>
+        </p:txBody>
+      </p:sp>
+      <p:sp>
+        <p:nvSpPr>
+          <p:cNvPr id="9" name="TextBox 8">
+            <a:extLst>
+              <a:ext uri="{FF2B5EF4-FFF2-40B4-BE49-F238E27FC236}">
+                <a16:creationId xmlns:a16="http://schemas.microsoft.com/office/drawing/2014/main" id="{507DAEF8-ACAC-CDCE-83DB-BF54627A8045}"/>
+              </a:ext>
+            </a:extLst>
+          </p:cNvPr>
+          <p:cNvSpPr txBox="1"/>
+          <p:nvPr/>
+        </p:nvSpPr>
+        <p:spPr>
+          <a:xfrm>
+            <a:off x="7977153" y="1948458"/>
+            <a:ext cx="2296160" cy="369332"/>
+          </a:xfrm>
+          <a:prstGeom prst="rect">
+            <a:avLst/>
+          </a:prstGeom>
+          <a:noFill/>
+        </p:spPr>
+        <p:txBody>
+          <a:bodyPr wrap="square" rtlCol="0">
+            <a:spAutoFit/>
+          </a:bodyPr>
+          <a:lstStyle/>
+          <a:p>
+            <a:r>
+              <a:rPr lang="en-US" dirty="0"/>
+              <a:t>Colitis dataset</a:t>
+            </a:r>
+          </a:p>
+        </p:txBody>
+      </p:sp>
       <p:pic>
         <p:nvPicPr>
           <p:cNvPr id="7" name="Picture 6">
             <a:extLst>
               <a:ext uri="{FF2B5EF4-FFF2-40B4-BE49-F238E27FC236}">
-                <a16:creationId xmlns:a16="http://schemas.microsoft.com/office/drawing/2014/main" id="{34F2BFEF-1D4C-376D-81A2-CB5173EBC48F}"/>
+                <a16:creationId xmlns:a16="http://schemas.microsoft.com/office/drawing/2014/main" id="{51432982-90EC-E0D3-C804-F3F35CC4EC5C}"/>
               </a:ext>
             </a:extLst>
           </p:cNvPr>
@@ -5852,8 +6102,8 @@
         </p:blipFill>
         <p:spPr>
           <a:xfrm>
-            <a:off x="0" y="2883842"/>
-            <a:ext cx="5842000" cy="3599452"/>
+            <a:off x="6096000" y="2402840"/>
+            <a:ext cx="5414492" cy="3365554"/>
           </a:xfrm>
           <a:prstGeom prst="rect">
             <a:avLst/>
@@ -5862,10 +6112,10 @@
       </p:pic>
       <p:pic>
         <p:nvPicPr>
-          <p:cNvPr id="3" name="Picture 2">
-            <a:extLst>
-              <a:ext uri="{FF2B5EF4-FFF2-40B4-BE49-F238E27FC236}">
-                <a16:creationId xmlns:a16="http://schemas.microsoft.com/office/drawing/2014/main" id="{D0D92938-1A29-78AE-C397-7E0423532E3C}"/>
+          <p:cNvPr id="8" name="Picture 7">
+            <a:extLst>
+              <a:ext uri="{FF2B5EF4-FFF2-40B4-BE49-F238E27FC236}">
+                <a16:creationId xmlns:a16="http://schemas.microsoft.com/office/drawing/2014/main" id="{3FF35383-8499-6C55-CEA1-3974B7060798}"/>
               </a:ext>
             </a:extLst>
           </p:cNvPr>
@@ -5882,231 +6132,18 @@
         </p:blipFill>
         <p:spPr>
           <a:xfrm>
-            <a:off x="6121784" y="2883842"/>
-            <a:ext cx="5908067" cy="3599452"/>
+            <a:off x="204753" y="2402840"/>
+            <a:ext cx="5655269" cy="3507905"/>
           </a:xfrm>
           <a:prstGeom prst="rect">
             <a:avLst/>
           </a:prstGeom>
         </p:spPr>
       </p:pic>
-      <p:sp>
-        <p:nvSpPr>
-          <p:cNvPr id="8" name="TextBox 7">
-            <a:extLst>
-              <a:ext uri="{FF2B5EF4-FFF2-40B4-BE49-F238E27FC236}">
-                <a16:creationId xmlns:a16="http://schemas.microsoft.com/office/drawing/2014/main" id="{5A10C4CE-FDD1-7463-29A8-65E4EEB1F3A1}"/>
-              </a:ext>
-            </a:extLst>
-          </p:cNvPr>
-          <p:cNvSpPr txBox="1"/>
-          <p:nvPr/>
-        </p:nvSpPr>
-        <p:spPr>
-          <a:xfrm>
-            <a:off x="8008812" y="2538447"/>
-            <a:ext cx="2296160" cy="369332"/>
-          </a:xfrm>
-          <a:prstGeom prst="rect">
-            <a:avLst/>
-          </a:prstGeom>
-          <a:noFill/>
-        </p:spPr>
-        <p:txBody>
-          <a:bodyPr wrap="square" rtlCol="0">
-            <a:spAutoFit/>
-          </a:bodyPr>
-          <a:lstStyle/>
-          <a:p>
-            <a:r>
-              <a:rPr lang="en-US" dirty="0"/>
-              <a:t>Colitis dataset</a:t>
-            </a:r>
-          </a:p>
-        </p:txBody>
-      </p:sp>
-      <p:sp>
-        <p:nvSpPr>
-          <p:cNvPr id="9" name="Content Placeholder 2">
-            <a:extLst>
-              <a:ext uri="{FF2B5EF4-FFF2-40B4-BE49-F238E27FC236}">
-                <a16:creationId xmlns:a16="http://schemas.microsoft.com/office/drawing/2014/main" id="{BF67597C-A32B-4AC9-613A-289A11D28AB0}"/>
-              </a:ext>
-            </a:extLst>
-          </p:cNvPr>
-          <p:cNvSpPr>
-            <a:spLocks noGrp="1"/>
-          </p:cNvSpPr>
-          <p:nvPr>
-            <p:ph idx="1"/>
-          </p:nvPr>
-        </p:nvSpPr>
-        <p:spPr>
-          <a:xfrm>
-            <a:off x="838200" y="1919289"/>
-            <a:ext cx="10124440" cy="760689"/>
-          </a:xfrm>
-        </p:spPr>
-        <p:txBody>
-          <a:bodyPr>
-            <a:normAutofit fontScale="77500" lnSpcReduction="20000"/>
-          </a:bodyPr>
-          <a:lstStyle/>
-          <a:p>
-            <a:r>
-              <a:rPr lang="en-US" dirty="0"/>
-              <a:t>CD4s in myocarditis dataset (normalized by clonotype depth) have some feature differences (</a:t>
-            </a:r>
-            <a:r>
-              <a:rPr lang="en-US" dirty="0" err="1"/>
-              <a:t>padj</a:t>
-            </a:r>
-            <a:r>
-              <a:rPr lang="en-US" dirty="0"/>
-              <a:t>), not recapitulated if </a:t>
-            </a:r>
-            <a:r>
-              <a:rPr lang="en-US" dirty="0" err="1"/>
-              <a:t>downsampled</a:t>
-            </a:r>
-            <a:r>
-              <a:rPr lang="en-US" dirty="0"/>
-              <a:t> or in colitis dataset</a:t>
-            </a:r>
-          </a:p>
-        </p:txBody>
-      </p:sp>
-      <p:sp>
-        <p:nvSpPr>
-          <p:cNvPr id="10" name="TextBox 9">
-            <a:extLst>
-              <a:ext uri="{FF2B5EF4-FFF2-40B4-BE49-F238E27FC236}">
-                <a16:creationId xmlns:a16="http://schemas.microsoft.com/office/drawing/2014/main" id="{670760CA-5905-4A68-CF53-F8EBDDAFBE9D}"/>
-              </a:ext>
-            </a:extLst>
-          </p:cNvPr>
-          <p:cNvSpPr txBox="1"/>
-          <p:nvPr/>
-        </p:nvSpPr>
-        <p:spPr>
-          <a:xfrm>
-            <a:off x="71120" y="6317826"/>
-            <a:ext cx="4084320" cy="369332"/>
-          </a:xfrm>
-          <a:prstGeom prst="rect">
-            <a:avLst/>
-          </a:prstGeom>
-          <a:noFill/>
-        </p:spPr>
-        <p:txBody>
-          <a:bodyPr wrap="square" rtlCol="0">
-            <a:spAutoFit/>
-          </a:bodyPr>
-          <a:lstStyle/>
-          <a:p>
-            <a:r>
-              <a:rPr lang="en-US" dirty="0">
-                <a:sym typeface="Wingdings" pitchFamily="2" charset="2"/>
-              </a:rPr>
-              <a:t> </a:t>
-            </a:r>
-            <a:r>
-              <a:rPr lang="en-US" dirty="0"/>
-              <a:t>Increasing clonotype abundance</a:t>
-            </a:r>
-          </a:p>
-        </p:txBody>
-      </p:sp>
-      <p:sp>
-        <p:nvSpPr>
-          <p:cNvPr id="11" name="TextBox 10">
-            <a:extLst>
-              <a:ext uri="{FF2B5EF4-FFF2-40B4-BE49-F238E27FC236}">
-                <a16:creationId xmlns:a16="http://schemas.microsoft.com/office/drawing/2014/main" id="{D83B00FC-695D-3221-7B14-555153168B0C}"/>
-              </a:ext>
-            </a:extLst>
-          </p:cNvPr>
-          <p:cNvSpPr txBox="1"/>
-          <p:nvPr/>
-        </p:nvSpPr>
-        <p:spPr>
-          <a:xfrm>
-            <a:off x="5900420" y="6317826"/>
-            <a:ext cx="4084320" cy="369332"/>
-          </a:xfrm>
-          <a:prstGeom prst="rect">
-            <a:avLst/>
-          </a:prstGeom>
-          <a:noFill/>
-        </p:spPr>
-        <p:txBody>
-          <a:bodyPr wrap="square" rtlCol="0">
-            <a:spAutoFit/>
-          </a:bodyPr>
-          <a:lstStyle/>
-          <a:p>
-            <a:r>
-              <a:rPr lang="en-US" dirty="0">
-                <a:sym typeface="Wingdings" pitchFamily="2" charset="2"/>
-              </a:rPr>
-              <a:t> </a:t>
-            </a:r>
-            <a:r>
-              <a:rPr lang="en-US" dirty="0"/>
-              <a:t>Increasing clonotype abundance</a:t>
-            </a:r>
-          </a:p>
-        </p:txBody>
-      </p:sp>
-      <p:sp>
-        <p:nvSpPr>
-          <p:cNvPr id="12" name="TextBox 11">
-            <a:extLst>
-              <a:ext uri="{FF2B5EF4-FFF2-40B4-BE49-F238E27FC236}">
-                <a16:creationId xmlns:a16="http://schemas.microsoft.com/office/drawing/2014/main" id="{310E4D3C-4090-8D69-3A83-214DA12C797C}"/>
-              </a:ext>
-            </a:extLst>
-          </p:cNvPr>
-          <p:cNvSpPr txBox="1"/>
-          <p:nvPr/>
-        </p:nvSpPr>
-        <p:spPr>
-          <a:xfrm>
-            <a:off x="3579987" y="6483294"/>
-            <a:ext cx="7382653" cy="369332"/>
-          </a:xfrm>
-          <a:prstGeom prst="rect">
-            <a:avLst/>
-          </a:prstGeom>
-          <a:noFill/>
-        </p:spPr>
-        <p:txBody>
-          <a:bodyPr wrap="square" rtlCol="0">
-            <a:spAutoFit/>
-          </a:bodyPr>
-          <a:lstStyle/>
-          <a:p>
-            <a:r>
-              <a:rPr lang="en-US" sz="1800" dirty="0">
-                <a:effectLst/>
-                <a:ea typeface="Calibri" panose="020F0502020204030204" pitchFamily="34" charset="0"/>
-                <a:cs typeface="Times New Roman" panose="02020603050405020304" pitchFamily="18" charset="0"/>
-              </a:rPr>
-              <a:t>**, p &lt;1e-2; *; p &lt;0.05</a:t>
-            </a:r>
-            <a:endParaRPr lang="en-US" sz="1800" b="0" i="0" u="none" strike="noStrike" dirty="0">
-              <a:solidFill>
-                <a:srgbClr val="212121"/>
-              </a:solidFill>
-              <a:effectLst/>
-            </a:endParaRPr>
-          </a:p>
-        </p:txBody>
-      </p:sp>
     </p:spTree>
     <p:extLst>
       <p:ext uri="{BB962C8B-B14F-4D97-AF65-F5344CB8AC3E}">
-        <p14:creationId xmlns:p14="http://schemas.microsoft.com/office/powerpoint/2010/main" val="1005077637"/>
+        <p14:creationId xmlns:p14="http://schemas.microsoft.com/office/powerpoint/2010/main" val="2124895016"/>
       </p:ext>
     </p:extLst>
   </p:cSld>
@@ -6163,6 +6200,379 @@
           <a:p>
             <a:r>
               <a:rPr lang="en-US" dirty="0"/>
+              <a:t>Given ability of rare clonotypes to drive disease, also looked into non-cumulative clonotype heatmaps</a:t>
+            </a:r>
+          </a:p>
+        </p:txBody>
+      </p:sp>
+      <p:sp>
+        <p:nvSpPr>
+          <p:cNvPr id="5" name="TextBox 4">
+            <a:extLst>
+              <a:ext uri="{FF2B5EF4-FFF2-40B4-BE49-F238E27FC236}">
+                <a16:creationId xmlns:a16="http://schemas.microsoft.com/office/drawing/2014/main" id="{DA3333FF-7FC9-625A-54C7-3DD46FA3DB3B}"/>
+              </a:ext>
+            </a:extLst>
+          </p:cNvPr>
+          <p:cNvSpPr txBox="1"/>
+          <p:nvPr/>
+        </p:nvSpPr>
+        <p:spPr>
+          <a:xfrm>
+            <a:off x="1859280" y="2527578"/>
+            <a:ext cx="2296160" cy="369332"/>
+          </a:xfrm>
+          <a:prstGeom prst="rect">
+            <a:avLst/>
+          </a:prstGeom>
+          <a:noFill/>
+        </p:spPr>
+        <p:txBody>
+          <a:bodyPr wrap="square" rtlCol="0">
+            <a:spAutoFit/>
+          </a:bodyPr>
+          <a:lstStyle/>
+          <a:p>
+            <a:r>
+              <a:rPr lang="en-US" dirty="0"/>
+              <a:t>Myocarditis dataset</a:t>
+            </a:r>
+          </a:p>
+        </p:txBody>
+      </p:sp>
+      <p:pic>
+        <p:nvPicPr>
+          <p:cNvPr id="7" name="Picture 6">
+            <a:extLst>
+              <a:ext uri="{FF2B5EF4-FFF2-40B4-BE49-F238E27FC236}">
+                <a16:creationId xmlns:a16="http://schemas.microsoft.com/office/drawing/2014/main" id="{34F2BFEF-1D4C-376D-81A2-CB5173EBC48F}"/>
+              </a:ext>
+            </a:extLst>
+          </p:cNvPr>
+          <p:cNvPicPr>
+            <a:picLocks noChangeAspect="1"/>
+          </p:cNvPicPr>
+          <p:nvPr/>
+        </p:nvPicPr>
+        <p:blipFill>
+          <a:blip r:embed="rId3"/>
+          <a:stretch>
+            <a:fillRect/>
+          </a:stretch>
+        </p:blipFill>
+        <p:spPr>
+          <a:xfrm>
+            <a:off x="0" y="2883842"/>
+            <a:ext cx="5842000" cy="3599452"/>
+          </a:xfrm>
+          <a:prstGeom prst="rect">
+            <a:avLst/>
+          </a:prstGeom>
+        </p:spPr>
+      </p:pic>
+      <p:pic>
+        <p:nvPicPr>
+          <p:cNvPr id="3" name="Picture 2">
+            <a:extLst>
+              <a:ext uri="{FF2B5EF4-FFF2-40B4-BE49-F238E27FC236}">
+                <a16:creationId xmlns:a16="http://schemas.microsoft.com/office/drawing/2014/main" id="{D0D92938-1A29-78AE-C397-7E0423532E3C}"/>
+              </a:ext>
+            </a:extLst>
+          </p:cNvPr>
+          <p:cNvPicPr>
+            <a:picLocks noChangeAspect="1"/>
+          </p:cNvPicPr>
+          <p:nvPr/>
+        </p:nvPicPr>
+        <p:blipFill>
+          <a:blip r:embed="rId4"/>
+          <a:stretch>
+            <a:fillRect/>
+          </a:stretch>
+        </p:blipFill>
+        <p:spPr>
+          <a:xfrm>
+            <a:off x="6121784" y="2883842"/>
+            <a:ext cx="5908067" cy="3599452"/>
+          </a:xfrm>
+          <a:prstGeom prst="rect">
+            <a:avLst/>
+          </a:prstGeom>
+        </p:spPr>
+      </p:pic>
+      <p:sp>
+        <p:nvSpPr>
+          <p:cNvPr id="8" name="TextBox 7">
+            <a:extLst>
+              <a:ext uri="{FF2B5EF4-FFF2-40B4-BE49-F238E27FC236}">
+                <a16:creationId xmlns:a16="http://schemas.microsoft.com/office/drawing/2014/main" id="{5A10C4CE-FDD1-7463-29A8-65E4EEB1F3A1}"/>
+              </a:ext>
+            </a:extLst>
+          </p:cNvPr>
+          <p:cNvSpPr txBox="1"/>
+          <p:nvPr/>
+        </p:nvSpPr>
+        <p:spPr>
+          <a:xfrm>
+            <a:off x="8008812" y="2538447"/>
+            <a:ext cx="2296160" cy="369332"/>
+          </a:xfrm>
+          <a:prstGeom prst="rect">
+            <a:avLst/>
+          </a:prstGeom>
+          <a:noFill/>
+        </p:spPr>
+        <p:txBody>
+          <a:bodyPr wrap="square" rtlCol="0">
+            <a:spAutoFit/>
+          </a:bodyPr>
+          <a:lstStyle/>
+          <a:p>
+            <a:r>
+              <a:rPr lang="en-US" dirty="0"/>
+              <a:t>Colitis dataset</a:t>
+            </a:r>
+          </a:p>
+        </p:txBody>
+      </p:sp>
+      <p:sp>
+        <p:nvSpPr>
+          <p:cNvPr id="9" name="Content Placeholder 2">
+            <a:extLst>
+              <a:ext uri="{FF2B5EF4-FFF2-40B4-BE49-F238E27FC236}">
+                <a16:creationId xmlns:a16="http://schemas.microsoft.com/office/drawing/2014/main" id="{BF67597C-A32B-4AC9-613A-289A11D28AB0}"/>
+              </a:ext>
+            </a:extLst>
+          </p:cNvPr>
+          <p:cNvSpPr>
+            <a:spLocks noGrp="1"/>
+          </p:cNvSpPr>
+          <p:nvPr>
+            <p:ph idx="1"/>
+          </p:nvPr>
+        </p:nvSpPr>
+        <p:spPr>
+          <a:xfrm>
+            <a:off x="838200" y="1919289"/>
+            <a:ext cx="10124440" cy="760689"/>
+          </a:xfrm>
+        </p:spPr>
+        <p:txBody>
+          <a:bodyPr>
+            <a:normAutofit fontScale="77500" lnSpcReduction="20000"/>
+          </a:bodyPr>
+          <a:lstStyle/>
+          <a:p>
+            <a:r>
+              <a:rPr lang="en-US" dirty="0"/>
+              <a:t>CD4s in myocarditis dataset (normalized by clonotype depth) have some feature differences (</a:t>
+            </a:r>
+            <a:r>
+              <a:rPr lang="en-US" dirty="0" err="1"/>
+              <a:t>padj</a:t>
+            </a:r>
+            <a:r>
+              <a:rPr lang="en-US" dirty="0"/>
+              <a:t>), not recapitulated if </a:t>
+            </a:r>
+            <a:r>
+              <a:rPr lang="en-US" dirty="0" err="1"/>
+              <a:t>downsampled</a:t>
+            </a:r>
+            <a:r>
+              <a:rPr lang="en-US" dirty="0"/>
+              <a:t> or in colitis dataset</a:t>
+            </a:r>
+          </a:p>
+        </p:txBody>
+      </p:sp>
+      <p:sp>
+        <p:nvSpPr>
+          <p:cNvPr id="10" name="TextBox 9">
+            <a:extLst>
+              <a:ext uri="{FF2B5EF4-FFF2-40B4-BE49-F238E27FC236}">
+                <a16:creationId xmlns:a16="http://schemas.microsoft.com/office/drawing/2014/main" id="{670760CA-5905-4A68-CF53-F8EBDDAFBE9D}"/>
+              </a:ext>
+            </a:extLst>
+          </p:cNvPr>
+          <p:cNvSpPr txBox="1"/>
+          <p:nvPr/>
+        </p:nvSpPr>
+        <p:spPr>
+          <a:xfrm>
+            <a:off x="71120" y="6317826"/>
+            <a:ext cx="4084320" cy="369332"/>
+          </a:xfrm>
+          <a:prstGeom prst="rect">
+            <a:avLst/>
+          </a:prstGeom>
+          <a:noFill/>
+        </p:spPr>
+        <p:txBody>
+          <a:bodyPr wrap="square" rtlCol="0">
+            <a:spAutoFit/>
+          </a:bodyPr>
+          <a:lstStyle/>
+          <a:p>
+            <a:r>
+              <a:rPr lang="en-US" dirty="0">
+                <a:sym typeface="Wingdings" pitchFamily="2" charset="2"/>
+              </a:rPr>
+              <a:t> </a:t>
+            </a:r>
+            <a:r>
+              <a:rPr lang="en-US" dirty="0"/>
+              <a:t>Increasing clonotype abundance</a:t>
+            </a:r>
+          </a:p>
+        </p:txBody>
+      </p:sp>
+      <p:sp>
+        <p:nvSpPr>
+          <p:cNvPr id="11" name="TextBox 10">
+            <a:extLst>
+              <a:ext uri="{FF2B5EF4-FFF2-40B4-BE49-F238E27FC236}">
+                <a16:creationId xmlns:a16="http://schemas.microsoft.com/office/drawing/2014/main" id="{D83B00FC-695D-3221-7B14-555153168B0C}"/>
+              </a:ext>
+            </a:extLst>
+          </p:cNvPr>
+          <p:cNvSpPr txBox="1"/>
+          <p:nvPr/>
+        </p:nvSpPr>
+        <p:spPr>
+          <a:xfrm>
+            <a:off x="5900420" y="6317826"/>
+            <a:ext cx="4084320" cy="369332"/>
+          </a:xfrm>
+          <a:prstGeom prst="rect">
+            <a:avLst/>
+          </a:prstGeom>
+          <a:noFill/>
+        </p:spPr>
+        <p:txBody>
+          <a:bodyPr wrap="square" rtlCol="0">
+            <a:spAutoFit/>
+          </a:bodyPr>
+          <a:lstStyle/>
+          <a:p>
+            <a:r>
+              <a:rPr lang="en-US" dirty="0">
+                <a:sym typeface="Wingdings" pitchFamily="2" charset="2"/>
+              </a:rPr>
+              <a:t> </a:t>
+            </a:r>
+            <a:r>
+              <a:rPr lang="en-US" dirty="0"/>
+              <a:t>Increasing clonotype abundance</a:t>
+            </a:r>
+          </a:p>
+        </p:txBody>
+      </p:sp>
+      <p:sp>
+        <p:nvSpPr>
+          <p:cNvPr id="12" name="TextBox 11">
+            <a:extLst>
+              <a:ext uri="{FF2B5EF4-FFF2-40B4-BE49-F238E27FC236}">
+                <a16:creationId xmlns:a16="http://schemas.microsoft.com/office/drawing/2014/main" id="{310E4D3C-4090-8D69-3A83-214DA12C797C}"/>
+              </a:ext>
+            </a:extLst>
+          </p:cNvPr>
+          <p:cNvSpPr txBox="1"/>
+          <p:nvPr/>
+        </p:nvSpPr>
+        <p:spPr>
+          <a:xfrm>
+            <a:off x="3579987" y="6483294"/>
+            <a:ext cx="7382653" cy="369332"/>
+          </a:xfrm>
+          <a:prstGeom prst="rect">
+            <a:avLst/>
+          </a:prstGeom>
+          <a:noFill/>
+        </p:spPr>
+        <p:txBody>
+          <a:bodyPr wrap="square" rtlCol="0">
+            <a:spAutoFit/>
+          </a:bodyPr>
+          <a:lstStyle/>
+          <a:p>
+            <a:r>
+              <a:rPr lang="en-US" sz="1800" dirty="0">
+                <a:effectLst/>
+                <a:ea typeface="Calibri" panose="020F0502020204030204" pitchFamily="34" charset="0"/>
+                <a:cs typeface="Times New Roman" panose="02020603050405020304" pitchFamily="18" charset="0"/>
+              </a:rPr>
+              <a:t>**, p &lt;1e-2; *; p &lt;0.05</a:t>
+            </a:r>
+            <a:endParaRPr lang="en-US" sz="1800" b="0" i="0" u="none" strike="noStrike" dirty="0">
+              <a:solidFill>
+                <a:srgbClr val="212121"/>
+              </a:solidFill>
+              <a:effectLst/>
+            </a:endParaRPr>
+          </a:p>
+        </p:txBody>
+      </p:sp>
+    </p:spTree>
+    <p:extLst>
+      <p:ext uri="{BB962C8B-B14F-4D97-AF65-F5344CB8AC3E}">
+        <p14:creationId xmlns:p14="http://schemas.microsoft.com/office/powerpoint/2010/main" val="1005077637"/>
+      </p:ext>
+    </p:extLst>
+  </p:cSld>
+  <p:clrMapOvr>
+    <a:masterClrMapping/>
+  </p:clrMapOvr>
+</p:sld>
+</file>
+
+<file path=ppt/slides/slide7.xml><?xml version="1.0" encoding="utf-8"?>
+<p:sld xmlns:a="http://schemas.openxmlformats.org/drawingml/2006/main" xmlns:r="http://schemas.openxmlformats.org/officeDocument/2006/relationships" xmlns:p="http://schemas.openxmlformats.org/presentationml/2006/main">
+  <p:cSld>
+    <p:spTree>
+      <p:nvGrpSpPr>
+        <p:cNvPr id="1" name=""/>
+        <p:cNvGrpSpPr/>
+        <p:nvPr/>
+      </p:nvGrpSpPr>
+      <p:grpSpPr>
+        <a:xfrm>
+          <a:off x="0" y="0"/>
+          <a:ext cx="0" cy="0"/>
+          <a:chOff x="0" y="0"/>
+          <a:chExt cx="0" cy="0"/>
+        </a:xfrm>
+      </p:grpSpPr>
+      <p:sp>
+        <p:nvSpPr>
+          <p:cNvPr id="2" name="Title 1">
+            <a:extLst>
+              <a:ext uri="{FF2B5EF4-FFF2-40B4-BE49-F238E27FC236}">
+                <a16:creationId xmlns:a16="http://schemas.microsoft.com/office/drawing/2014/main" id="{70A4C97D-8F21-3D3B-6A90-EA7145324964}"/>
+              </a:ext>
+            </a:extLst>
+          </p:cNvPr>
+          <p:cNvSpPr>
+            <a:spLocks noGrp="1"/>
+          </p:cNvSpPr>
+          <p:nvPr>
+            <p:ph type="title"/>
+          </p:nvPr>
+        </p:nvSpPr>
+        <p:spPr>
+          <a:xfrm>
+            <a:off x="838200" y="593725"/>
+            <a:ext cx="10515600" cy="1325563"/>
+          </a:xfrm>
+        </p:spPr>
+        <p:txBody>
+          <a:bodyPr>
+            <a:normAutofit/>
+          </a:bodyPr>
+          <a:lstStyle/>
+          <a:p>
+            <a:r>
+              <a:rPr lang="en-US" dirty="0"/>
               <a:t>Conclusions</a:t>
             </a:r>
           </a:p>
@@ -6213,7 +6623,7 @@
 </p:sld>
 </file>
 
-<file path=ppt/slides/slide7.xml><?xml version="1.0" encoding="utf-8"?>
+<file path=ppt/slides/slide8.xml><?xml version="1.0" encoding="utf-8"?>
 <p:sld xmlns:a="http://schemas.openxmlformats.org/drawingml/2006/main" xmlns:r="http://schemas.openxmlformats.org/officeDocument/2006/relationships" xmlns:p="http://schemas.openxmlformats.org/presentationml/2006/main">
   <p:cSld>
     <p:spTree>

--- a/linsley_postdoc/presentations/weekly_meetings/1_18_24.pptx
+++ b/linsley_postdoc/presentations/weekly_meetings/1_18_24.pptx
@@ -5,17 +5,19 @@
     <p:sldMasterId id="2147483648" r:id="rId1"/>
   </p:sldMasterIdLst>
   <p:notesMasterIdLst>
-    <p:notesMasterId r:id="rId10"/>
+    <p:notesMasterId r:id="rId12"/>
   </p:notesMasterIdLst>
   <p:sldIdLst>
     <p:sldId id="477" r:id="rId2"/>
     <p:sldId id="499" r:id="rId3"/>
     <p:sldId id="527" r:id="rId4"/>
-    <p:sldId id="525" r:id="rId5"/>
-    <p:sldId id="528" r:id="rId6"/>
-    <p:sldId id="526" r:id="rId7"/>
-    <p:sldId id="524" r:id="rId8"/>
-    <p:sldId id="519" r:id="rId9"/>
+    <p:sldId id="524" r:id="rId5"/>
+    <p:sldId id="530" r:id="rId6"/>
+    <p:sldId id="525" r:id="rId7"/>
+    <p:sldId id="528" r:id="rId8"/>
+    <p:sldId id="526" r:id="rId9"/>
+    <p:sldId id="529" r:id="rId10"/>
+    <p:sldId id="519" r:id="rId11"/>
   </p:sldIdLst>
   <p:sldSz cx="12192000" cy="6858000"/>
   <p:notesSz cx="6858000" cy="9144000"/>
@@ -215,7 +217,7 @@
           <a:p>
             <a:fld id="{E933A773-0DCE-3544-BB67-D5FA58DF903C}" type="datetimeFigureOut">
               <a:rPr lang="en-US" smtClean="0"/>
-              <a:t>1/12/24</a:t>
+              <a:t>1/13/24</a:t>
             </a:fld>
             <a:endParaRPr lang="en-US"/>
           </a:p>
@@ -566,6 +568,96 @@
 </p:notes>
 </file>
 
+<file path=ppt/notesSlides/notesSlide10.xml><?xml version="1.0" encoding="utf-8"?>
+<p:notes xmlns:a="http://schemas.openxmlformats.org/drawingml/2006/main" xmlns:r="http://schemas.openxmlformats.org/officeDocument/2006/relationships" xmlns:p="http://schemas.openxmlformats.org/presentationml/2006/main">
+  <p:cSld>
+    <p:spTree>
+      <p:nvGrpSpPr>
+        <p:cNvPr id="1" name=""/>
+        <p:cNvGrpSpPr/>
+        <p:nvPr/>
+      </p:nvGrpSpPr>
+      <p:grpSpPr>
+        <a:xfrm>
+          <a:off x="0" y="0"/>
+          <a:ext cx="0" cy="0"/>
+          <a:chOff x="0" y="0"/>
+          <a:chExt cx="0" cy="0"/>
+        </a:xfrm>
+      </p:grpSpPr>
+      <p:sp>
+        <p:nvSpPr>
+          <p:cNvPr id="2" name="Slide Image Placeholder 1"/>
+          <p:cNvSpPr>
+            <a:spLocks noGrp="1" noRot="1" noChangeAspect="1"/>
+          </p:cNvSpPr>
+          <p:nvPr>
+            <p:ph type="sldImg"/>
+          </p:nvPr>
+        </p:nvSpPr>
+        <p:spPr/>
+      </p:sp>
+      <p:sp>
+        <p:nvSpPr>
+          <p:cNvPr id="3" name="Notes Placeholder 2"/>
+          <p:cNvSpPr>
+            <a:spLocks noGrp="1"/>
+          </p:cNvSpPr>
+          <p:nvPr>
+            <p:ph type="body" idx="1"/>
+          </p:nvPr>
+        </p:nvSpPr>
+        <p:spPr/>
+        <p:txBody>
+          <a:bodyPr/>
+          <a:lstStyle/>
+          <a:p>
+            <a:endParaRPr lang="en-US" b="0" dirty="0">
+              <a:solidFill>
+                <a:srgbClr val="CCCCCC"/>
+              </a:solidFill>
+              <a:effectLst/>
+              <a:latin typeface="Menlo" panose="020B0609030804020204" pitchFamily="49" charset="0"/>
+            </a:endParaRPr>
+          </a:p>
+        </p:txBody>
+      </p:sp>
+      <p:sp>
+        <p:nvSpPr>
+          <p:cNvPr id="4" name="Slide Number Placeholder 3"/>
+          <p:cNvSpPr>
+            <a:spLocks noGrp="1"/>
+          </p:cNvSpPr>
+          <p:nvPr>
+            <p:ph type="sldNum" sz="quarter" idx="5"/>
+          </p:nvPr>
+        </p:nvSpPr>
+        <p:spPr/>
+        <p:txBody>
+          <a:bodyPr/>
+          <a:lstStyle/>
+          <a:p>
+            <a:fld id="{061BAA8C-FDC6-D345-B4E0-3B02449209FB}" type="slidenum">
+              <a:rPr lang="en-US" smtClean="0"/>
+              <a:t>10</a:t>
+            </a:fld>
+            <a:endParaRPr lang="en-US"/>
+          </a:p>
+        </p:txBody>
+      </p:sp>
+    </p:spTree>
+    <p:extLst>
+      <p:ext uri="{BB962C8B-B14F-4D97-AF65-F5344CB8AC3E}">
+        <p14:creationId xmlns:p14="http://schemas.microsoft.com/office/powerpoint/2010/main" val="906140516"/>
+      </p:ext>
+    </p:extLst>
+  </p:cSld>
+  <p:clrMapOvr>
+    <a:masterClrMapping/>
+  </p:clrMapOvr>
+</p:notes>
+</file>
+
 <file path=ppt/notesSlides/notesSlide2.xml><?xml version="1.0" encoding="utf-8"?>
 <p:notes xmlns:a="http://schemas.openxmlformats.org/drawingml/2006/main" xmlns:r="http://schemas.openxmlformats.org/officeDocument/2006/relationships" xmlns:p="http://schemas.openxmlformats.org/presentationml/2006/main">
   <p:cSld>
@@ -1068,7 +1160,7 @@
     </p:spTree>
     <p:extLst>
       <p:ext uri="{BB962C8B-B14F-4D97-AF65-F5344CB8AC3E}">
-        <p14:creationId xmlns:p14="http://schemas.microsoft.com/office/powerpoint/2010/main" val="2785580466"/>
+        <p14:creationId xmlns:p14="http://schemas.microsoft.com/office/powerpoint/2010/main" val="4076322540"/>
       </p:ext>
     </p:extLst>
   </p:cSld>
@@ -1122,48 +1214,6 @@
           <a:bodyPr/>
           <a:lstStyle/>
           <a:p>
-            <a:r>
-              <a:rPr lang="en-US" b="0" dirty="0" err="1">
-                <a:solidFill>
-                  <a:srgbClr val="CCCCCC"/>
-                </a:solidFill>
-                <a:effectLst/>
-                <a:latin typeface="Menlo" panose="020B0609030804020204" pitchFamily="49" charset="0"/>
-              </a:rPr>
-              <a:t>Myo</a:t>
-            </a:r>
-            <a:r>
-              <a:rPr lang="en-US" b="0" dirty="0">
-                <a:solidFill>
-                  <a:srgbClr val="CCCCCC"/>
-                </a:solidFill>
-                <a:effectLst/>
-                <a:latin typeface="Menlo" panose="020B0609030804020204" pitchFamily="49" charset="0"/>
-              </a:rPr>
-              <a:t> # CD4 T: 0.00062 (</a:t>
-            </a:r>
-            <a:r>
-              <a:rPr lang="en-US" b="0" dirty="0" err="1">
-                <a:solidFill>
-                  <a:srgbClr val="CCCCCC"/>
-                </a:solidFill>
-                <a:effectLst/>
-                <a:latin typeface="Menlo" panose="020B0609030804020204" pitchFamily="49" charset="0"/>
-              </a:rPr>
-              <a:t>padj</a:t>
-            </a:r>
-            <a:r>
-              <a:rPr lang="en-US" b="0" dirty="0">
-                <a:solidFill>
-                  <a:srgbClr val="CCCCCC"/>
-                </a:solidFill>
-                <a:effectLst/>
-                <a:latin typeface="Menlo" panose="020B0609030804020204" pitchFamily="49" charset="0"/>
-              </a:rPr>
-              <a:t>)</a:t>
-            </a:r>
-          </a:p>
-          <a:p>
             <a:endParaRPr lang="en-US" b="0" dirty="0">
               <a:solidFill>
                 <a:srgbClr val="CCCCCC"/>
@@ -1172,38 +1222,6 @@
               <a:latin typeface="Menlo" panose="020B0609030804020204" pitchFamily="49" charset="0"/>
             </a:endParaRPr>
           </a:p>
-          <a:p>
-            <a:r>
-              <a:rPr lang="en-US" b="0" dirty="0">
-                <a:solidFill>
-                  <a:srgbClr val="CCCCCC"/>
-                </a:solidFill>
-                <a:effectLst/>
-                <a:latin typeface="Menlo" panose="020B0609030804020204" pitchFamily="49" charset="0"/>
-              </a:rPr>
-              <a:t>Colitis # CD4 T: 2e-6 (</a:t>
-            </a:r>
-            <a:r>
-              <a:rPr lang="en-US" b="0" dirty="0" err="1">
-                <a:solidFill>
-                  <a:srgbClr val="CCCCCC"/>
-                </a:solidFill>
-                <a:effectLst/>
-                <a:latin typeface="Menlo" panose="020B0609030804020204" pitchFamily="49" charset="0"/>
-              </a:rPr>
-              <a:t>padj</a:t>
-            </a:r>
-            <a:r>
-              <a:rPr lang="en-US" b="0" dirty="0">
-                <a:solidFill>
-                  <a:srgbClr val="CCCCCC"/>
-                </a:solidFill>
-                <a:effectLst/>
-                <a:latin typeface="Menlo" panose="020B0609030804020204" pitchFamily="49" charset="0"/>
-              </a:rPr>
-              <a:t>)</a:t>
-            </a:r>
-          </a:p>
         </p:txBody>
       </p:sp>
       <p:sp>
@@ -1232,7 +1250,7 @@
     </p:spTree>
     <p:extLst>
       <p:ext uri="{BB962C8B-B14F-4D97-AF65-F5344CB8AC3E}">
-        <p14:creationId xmlns:p14="http://schemas.microsoft.com/office/powerpoint/2010/main" val="2439400436"/>
+        <p14:creationId xmlns:p14="http://schemas.microsoft.com/office/powerpoint/2010/main" val="2845029413"/>
       </p:ext>
     </p:extLst>
   </p:cSld>
@@ -1286,72 +1304,13 @@
           <a:bodyPr/>
           <a:lstStyle/>
           <a:p>
-            <a:r>
-              <a:rPr lang="en-US" b="0" dirty="0">
-                <a:solidFill>
-                  <a:srgbClr val="CCCCCC"/>
-                </a:solidFill>
-                <a:effectLst/>
-                <a:latin typeface="Menlo" panose="020B0609030804020204" pitchFamily="49" charset="0"/>
-              </a:rPr>
-              <a:t># CD4 Naive TRB hydrophobicity 70, 90%</a:t>
-            </a:r>
-          </a:p>
-          <a:p>
-            <a:r>
-              <a:rPr lang="en-US" b="0" dirty="0">
-                <a:solidFill>
-                  <a:srgbClr val="CCCCCC"/>
-                </a:solidFill>
-                <a:effectLst/>
-                <a:latin typeface="Menlo" panose="020B0609030804020204" pitchFamily="49" charset="0"/>
-              </a:rPr>
-              <a:t># CD4 TCM TRB </a:t>
-            </a:r>
-            <a:r>
-              <a:rPr lang="en-US" b="0" dirty="0" err="1">
-                <a:solidFill>
-                  <a:srgbClr val="CCCCCC"/>
-                </a:solidFill>
-                <a:effectLst/>
-                <a:latin typeface="Menlo" panose="020B0609030804020204" pitchFamily="49" charset="0"/>
-              </a:rPr>
-              <a:t>hycrophobicity</a:t>
-            </a:r>
-            <a:r>
-              <a:rPr lang="en-US" b="0" dirty="0">
-                <a:solidFill>
-                  <a:srgbClr val="CCCCCC"/>
-                </a:solidFill>
-                <a:effectLst/>
-                <a:latin typeface="Menlo" panose="020B0609030804020204" pitchFamily="49" charset="0"/>
-              </a:rPr>
-              <a:t> 70%</a:t>
-            </a:r>
-          </a:p>
-          <a:p>
-            <a:r>
-              <a:rPr lang="en-US" b="0" dirty="0">
-                <a:solidFill>
-                  <a:srgbClr val="CCCCCC"/>
-                </a:solidFill>
-                <a:effectLst/>
-                <a:latin typeface="Menlo" panose="020B0609030804020204" pitchFamily="49" charset="0"/>
-              </a:rPr>
-              <a:t># CD4 TCM TRB CDR3 length 70%</a:t>
-            </a:r>
-          </a:p>
-          <a:p>
-            <a:r>
-              <a:rPr lang="en-US" b="0" dirty="0">
-                <a:solidFill>
-                  <a:srgbClr val="CCCCCC"/>
-                </a:solidFill>
-                <a:effectLst/>
-                <a:latin typeface="Menlo" panose="020B0609030804020204" pitchFamily="49" charset="0"/>
-              </a:rPr>
-              <a:t># CD4 TEM TRA hydrophobicity 30%</a:t>
-            </a:r>
+            <a:endParaRPr lang="en-US" b="0" dirty="0">
+              <a:solidFill>
+                <a:srgbClr val="CCCCCC"/>
+              </a:solidFill>
+              <a:effectLst/>
+              <a:latin typeface="Menlo" panose="020B0609030804020204" pitchFamily="49" charset="0"/>
+            </a:endParaRPr>
           </a:p>
         </p:txBody>
       </p:sp>
@@ -1381,7 +1340,7 @@
     </p:spTree>
     <p:extLst>
       <p:ext uri="{BB962C8B-B14F-4D97-AF65-F5344CB8AC3E}">
-        <p14:creationId xmlns:p14="http://schemas.microsoft.com/office/powerpoint/2010/main" val="307124422"/>
+        <p14:creationId xmlns:p14="http://schemas.microsoft.com/office/powerpoint/2010/main" val="2785580466"/>
       </p:ext>
     </p:extLst>
   </p:cSld>
@@ -1435,6 +1394,48 @@
           <a:bodyPr/>
           <a:lstStyle/>
           <a:p>
+            <a:r>
+              <a:rPr lang="en-US" b="0" dirty="0" err="1">
+                <a:solidFill>
+                  <a:srgbClr val="CCCCCC"/>
+                </a:solidFill>
+                <a:effectLst/>
+                <a:latin typeface="Menlo" panose="020B0609030804020204" pitchFamily="49" charset="0"/>
+              </a:rPr>
+              <a:t>Myo</a:t>
+            </a:r>
+            <a:r>
+              <a:rPr lang="en-US" b="0" dirty="0">
+                <a:solidFill>
+                  <a:srgbClr val="CCCCCC"/>
+                </a:solidFill>
+                <a:effectLst/>
+                <a:latin typeface="Menlo" panose="020B0609030804020204" pitchFamily="49" charset="0"/>
+              </a:rPr>
+              <a:t> # CD4 T: 0.00062 (</a:t>
+            </a:r>
+            <a:r>
+              <a:rPr lang="en-US" b="0" dirty="0" err="1">
+                <a:solidFill>
+                  <a:srgbClr val="CCCCCC"/>
+                </a:solidFill>
+                <a:effectLst/>
+                <a:latin typeface="Menlo" panose="020B0609030804020204" pitchFamily="49" charset="0"/>
+              </a:rPr>
+              <a:t>padj</a:t>
+            </a:r>
+            <a:r>
+              <a:rPr lang="en-US" b="0" dirty="0">
+                <a:solidFill>
+                  <a:srgbClr val="CCCCCC"/>
+                </a:solidFill>
+                <a:effectLst/>
+                <a:latin typeface="Menlo" panose="020B0609030804020204" pitchFamily="49" charset="0"/>
+              </a:rPr>
+              <a:t>)</a:t>
+            </a:r>
+          </a:p>
+          <a:p>
             <a:endParaRPr lang="en-US" b="0" dirty="0">
               <a:solidFill>
                 <a:srgbClr val="CCCCCC"/>
@@ -1443,6 +1444,38 @@
               <a:latin typeface="Menlo" panose="020B0609030804020204" pitchFamily="49" charset="0"/>
             </a:endParaRPr>
           </a:p>
+          <a:p>
+            <a:r>
+              <a:rPr lang="en-US" b="0" dirty="0">
+                <a:solidFill>
+                  <a:srgbClr val="CCCCCC"/>
+                </a:solidFill>
+                <a:effectLst/>
+                <a:latin typeface="Menlo" panose="020B0609030804020204" pitchFamily="49" charset="0"/>
+              </a:rPr>
+              <a:t>Colitis # CD4 T: 2e-6 (</a:t>
+            </a:r>
+            <a:r>
+              <a:rPr lang="en-US" b="0" dirty="0" err="1">
+                <a:solidFill>
+                  <a:srgbClr val="CCCCCC"/>
+                </a:solidFill>
+                <a:effectLst/>
+                <a:latin typeface="Menlo" panose="020B0609030804020204" pitchFamily="49" charset="0"/>
+              </a:rPr>
+              <a:t>padj</a:t>
+            </a:r>
+            <a:r>
+              <a:rPr lang="en-US" b="0" dirty="0">
+                <a:solidFill>
+                  <a:srgbClr val="CCCCCC"/>
+                </a:solidFill>
+                <a:effectLst/>
+                <a:latin typeface="Menlo" panose="020B0609030804020204" pitchFamily="49" charset="0"/>
+              </a:rPr>
+              <a:t>)</a:t>
+            </a:r>
+          </a:p>
         </p:txBody>
       </p:sp>
       <p:sp>
@@ -1471,7 +1504,7 @@
     </p:spTree>
     <p:extLst>
       <p:ext uri="{BB962C8B-B14F-4D97-AF65-F5344CB8AC3E}">
-        <p14:creationId xmlns:p14="http://schemas.microsoft.com/office/powerpoint/2010/main" val="1028129820"/>
+        <p14:creationId xmlns:p14="http://schemas.microsoft.com/office/powerpoint/2010/main" val="2439400436"/>
       </p:ext>
     </p:extLst>
   </p:cSld>
@@ -1525,6 +1558,155 @@
           <a:bodyPr/>
           <a:lstStyle/>
           <a:p>
+            <a:r>
+              <a:rPr lang="en-US" b="0" dirty="0">
+                <a:solidFill>
+                  <a:srgbClr val="CCCCCC"/>
+                </a:solidFill>
+                <a:effectLst/>
+                <a:latin typeface="Menlo" panose="020B0609030804020204" pitchFamily="49" charset="0"/>
+              </a:rPr>
+              <a:t># CD4 Naive TRB hydrophobicity 70, 90%</a:t>
+            </a:r>
+          </a:p>
+          <a:p>
+            <a:r>
+              <a:rPr lang="en-US" b="0" dirty="0">
+                <a:solidFill>
+                  <a:srgbClr val="CCCCCC"/>
+                </a:solidFill>
+                <a:effectLst/>
+                <a:latin typeface="Menlo" panose="020B0609030804020204" pitchFamily="49" charset="0"/>
+              </a:rPr>
+              <a:t># CD4 TCM TRB </a:t>
+            </a:r>
+            <a:r>
+              <a:rPr lang="en-US" b="0" dirty="0" err="1">
+                <a:solidFill>
+                  <a:srgbClr val="CCCCCC"/>
+                </a:solidFill>
+                <a:effectLst/>
+                <a:latin typeface="Menlo" panose="020B0609030804020204" pitchFamily="49" charset="0"/>
+              </a:rPr>
+              <a:t>hycrophobicity</a:t>
+            </a:r>
+            <a:r>
+              <a:rPr lang="en-US" b="0" dirty="0">
+                <a:solidFill>
+                  <a:srgbClr val="CCCCCC"/>
+                </a:solidFill>
+                <a:effectLst/>
+                <a:latin typeface="Menlo" panose="020B0609030804020204" pitchFamily="49" charset="0"/>
+              </a:rPr>
+              <a:t> 70%</a:t>
+            </a:r>
+          </a:p>
+          <a:p>
+            <a:r>
+              <a:rPr lang="en-US" b="0" dirty="0">
+                <a:solidFill>
+                  <a:srgbClr val="CCCCCC"/>
+                </a:solidFill>
+                <a:effectLst/>
+                <a:latin typeface="Menlo" panose="020B0609030804020204" pitchFamily="49" charset="0"/>
+              </a:rPr>
+              <a:t># CD4 TCM TRB CDR3 length 70%</a:t>
+            </a:r>
+          </a:p>
+          <a:p>
+            <a:r>
+              <a:rPr lang="en-US" b="0" dirty="0">
+                <a:solidFill>
+                  <a:srgbClr val="CCCCCC"/>
+                </a:solidFill>
+                <a:effectLst/>
+                <a:latin typeface="Menlo" panose="020B0609030804020204" pitchFamily="49" charset="0"/>
+              </a:rPr>
+              <a:t># CD4 TEM TRA hydrophobicity 30%</a:t>
+            </a:r>
+          </a:p>
+        </p:txBody>
+      </p:sp>
+      <p:sp>
+        <p:nvSpPr>
+          <p:cNvPr id="4" name="Slide Number Placeholder 3"/>
+          <p:cNvSpPr>
+            <a:spLocks noGrp="1"/>
+          </p:cNvSpPr>
+          <p:nvPr>
+            <p:ph type="sldNum" sz="quarter" idx="5"/>
+          </p:nvPr>
+        </p:nvSpPr>
+        <p:spPr/>
+        <p:txBody>
+          <a:bodyPr/>
+          <a:lstStyle/>
+          <a:p>
+            <a:fld id="{061BAA8C-FDC6-D345-B4E0-3B02449209FB}" type="slidenum">
+              <a:rPr lang="en-US" smtClean="0"/>
+              <a:t>8</a:t>
+            </a:fld>
+            <a:endParaRPr lang="en-US"/>
+          </a:p>
+        </p:txBody>
+      </p:sp>
+    </p:spTree>
+    <p:extLst>
+      <p:ext uri="{BB962C8B-B14F-4D97-AF65-F5344CB8AC3E}">
+        <p14:creationId xmlns:p14="http://schemas.microsoft.com/office/powerpoint/2010/main" val="307124422"/>
+      </p:ext>
+    </p:extLst>
+  </p:cSld>
+  <p:clrMapOvr>
+    <a:masterClrMapping/>
+  </p:clrMapOvr>
+</p:notes>
+</file>
+
+<file path=ppt/notesSlides/notesSlide9.xml><?xml version="1.0" encoding="utf-8"?>
+<p:notes xmlns:a="http://schemas.openxmlformats.org/drawingml/2006/main" xmlns:r="http://schemas.openxmlformats.org/officeDocument/2006/relationships" xmlns:p="http://schemas.openxmlformats.org/presentationml/2006/main">
+  <p:cSld>
+    <p:spTree>
+      <p:nvGrpSpPr>
+        <p:cNvPr id="1" name=""/>
+        <p:cNvGrpSpPr/>
+        <p:nvPr/>
+      </p:nvGrpSpPr>
+      <p:grpSpPr>
+        <a:xfrm>
+          <a:off x="0" y="0"/>
+          <a:ext cx="0" cy="0"/>
+          <a:chOff x="0" y="0"/>
+          <a:chExt cx="0" cy="0"/>
+        </a:xfrm>
+      </p:grpSpPr>
+      <p:sp>
+        <p:nvSpPr>
+          <p:cNvPr id="2" name="Slide Image Placeholder 1"/>
+          <p:cNvSpPr>
+            <a:spLocks noGrp="1" noRot="1" noChangeAspect="1"/>
+          </p:cNvSpPr>
+          <p:nvPr>
+            <p:ph type="sldImg"/>
+          </p:nvPr>
+        </p:nvSpPr>
+        <p:spPr/>
+      </p:sp>
+      <p:sp>
+        <p:nvSpPr>
+          <p:cNvPr id="3" name="Notes Placeholder 2"/>
+          <p:cNvSpPr>
+            <a:spLocks noGrp="1"/>
+          </p:cNvSpPr>
+          <p:nvPr>
+            <p:ph type="body" idx="1"/>
+          </p:nvPr>
+        </p:nvSpPr>
+        <p:spPr/>
+        <p:txBody>
+          <a:bodyPr/>
+          <a:lstStyle/>
+          <a:p>
             <a:endParaRPr lang="en-US" b="0" dirty="0">
               <a:solidFill>
                 <a:srgbClr val="CCCCCC"/>
@@ -1552,7 +1734,7 @@
           <a:p>
             <a:fld id="{061BAA8C-FDC6-D345-B4E0-3B02449209FB}" type="slidenum">
               <a:rPr lang="en-US" smtClean="0"/>
-              <a:t>8</a:t>
+              <a:t>9</a:t>
             </a:fld>
             <a:endParaRPr lang="en-US"/>
           </a:p>
@@ -1561,7 +1743,7 @@
     </p:spTree>
     <p:extLst>
       <p:ext uri="{BB962C8B-B14F-4D97-AF65-F5344CB8AC3E}">
-        <p14:creationId xmlns:p14="http://schemas.microsoft.com/office/powerpoint/2010/main" val="906140516"/>
+        <p14:creationId xmlns:p14="http://schemas.microsoft.com/office/powerpoint/2010/main" val="3106864386"/>
       </p:ext>
     </p:extLst>
   </p:cSld>
@@ -1718,7 +1900,7 @@
           <a:p>
             <a:fld id="{80FC6068-BAFB-FC44-B9D8-F4B3BB105DE6}" type="datetimeFigureOut">
               <a:rPr lang="en-US" smtClean="0"/>
-              <a:t>1/12/24</a:t>
+              <a:t>1/13/24</a:t>
             </a:fld>
             <a:endParaRPr lang="en-US"/>
           </a:p>
@@ -1916,7 +2098,7 @@
           <a:p>
             <a:fld id="{80FC6068-BAFB-FC44-B9D8-F4B3BB105DE6}" type="datetimeFigureOut">
               <a:rPr lang="en-US" smtClean="0"/>
-              <a:t>1/12/24</a:t>
+              <a:t>1/13/24</a:t>
             </a:fld>
             <a:endParaRPr lang="en-US"/>
           </a:p>
@@ -2124,7 +2306,7 @@
           <a:p>
             <a:fld id="{80FC6068-BAFB-FC44-B9D8-F4B3BB105DE6}" type="datetimeFigureOut">
               <a:rPr lang="en-US" smtClean="0"/>
-              <a:t>1/12/24</a:t>
+              <a:t>1/13/24</a:t>
             </a:fld>
             <a:endParaRPr lang="en-US"/>
           </a:p>
@@ -2328,7 +2510,7 @@
           <a:p>
             <a:fld id="{80FC6068-BAFB-FC44-B9D8-F4B3BB105DE6}" type="datetimeFigureOut">
               <a:rPr lang="en-US" smtClean="0"/>
-              <a:t>1/12/24</a:t>
+              <a:t>1/13/24</a:t>
             </a:fld>
             <a:endParaRPr lang="en-US"/>
           </a:p>
@@ -2619,7 +2801,7 @@
           <a:p>
             <a:fld id="{80FC6068-BAFB-FC44-B9D8-F4B3BB105DE6}" type="datetimeFigureOut">
               <a:rPr lang="en-US" smtClean="0"/>
-              <a:t>1/12/24</a:t>
+              <a:t>1/13/24</a:t>
             </a:fld>
             <a:endParaRPr lang="en-US"/>
           </a:p>
@@ -2884,7 +3066,7 @@
           <a:p>
             <a:fld id="{80FC6068-BAFB-FC44-B9D8-F4B3BB105DE6}" type="datetimeFigureOut">
               <a:rPr lang="en-US" smtClean="0"/>
-              <a:t>1/12/24</a:t>
+              <a:t>1/13/24</a:t>
             </a:fld>
             <a:endParaRPr lang="en-US"/>
           </a:p>
@@ -3296,7 +3478,7 @@
           <a:p>
             <a:fld id="{80FC6068-BAFB-FC44-B9D8-F4B3BB105DE6}" type="datetimeFigureOut">
               <a:rPr lang="en-US" smtClean="0"/>
-              <a:t>1/12/24</a:t>
+              <a:t>1/13/24</a:t>
             </a:fld>
             <a:endParaRPr lang="en-US"/>
           </a:p>
@@ -3437,7 +3619,7 @@
           <a:p>
             <a:fld id="{80FC6068-BAFB-FC44-B9D8-F4B3BB105DE6}" type="datetimeFigureOut">
               <a:rPr lang="en-US" smtClean="0"/>
-              <a:t>1/12/24</a:t>
+              <a:t>1/13/24</a:t>
             </a:fld>
             <a:endParaRPr lang="en-US"/>
           </a:p>
@@ -3550,7 +3732,7 @@
           <a:p>
             <a:fld id="{80FC6068-BAFB-FC44-B9D8-F4B3BB105DE6}" type="datetimeFigureOut">
               <a:rPr lang="en-US" smtClean="0"/>
-              <a:t>1/12/24</a:t>
+              <a:t>1/13/24</a:t>
             </a:fld>
             <a:endParaRPr lang="en-US"/>
           </a:p>
@@ -3861,7 +4043,7 @@
           <a:p>
             <a:fld id="{80FC6068-BAFB-FC44-B9D8-F4B3BB105DE6}" type="datetimeFigureOut">
               <a:rPr lang="en-US" smtClean="0"/>
-              <a:t>1/12/24</a:t>
+              <a:t>1/13/24</a:t>
             </a:fld>
             <a:endParaRPr lang="en-US"/>
           </a:p>
@@ -4149,7 +4331,7 @@
           <a:p>
             <a:fld id="{80FC6068-BAFB-FC44-B9D8-F4B3BB105DE6}" type="datetimeFigureOut">
               <a:rPr lang="en-US" smtClean="0"/>
-              <a:t>1/12/24</a:t>
+              <a:t>1/13/24</a:t>
             </a:fld>
             <a:endParaRPr lang="en-US"/>
           </a:p>
@@ -4390,7 +4572,7 @@
           <a:p>
             <a:fld id="{80FC6068-BAFB-FC44-B9D8-F4B3BB105DE6}" type="datetimeFigureOut">
               <a:rPr lang="en-US" smtClean="0"/>
-              <a:t>1/12/24</a:t>
+              <a:t>1/13/24</a:t>
             </a:fld>
             <a:endParaRPr lang="en-US"/>
           </a:p>
@@ -4888,6 +5070,103 @@
 </p:sld>
 </file>
 
+<file path=ppt/slides/slide10.xml><?xml version="1.0" encoding="utf-8"?>
+<p:sld xmlns:a="http://schemas.openxmlformats.org/drawingml/2006/main" xmlns:r="http://schemas.openxmlformats.org/officeDocument/2006/relationships" xmlns:p="http://schemas.openxmlformats.org/presentationml/2006/main">
+  <p:cSld>
+    <p:spTree>
+      <p:nvGrpSpPr>
+        <p:cNvPr id="1" name=""/>
+        <p:cNvGrpSpPr/>
+        <p:nvPr/>
+      </p:nvGrpSpPr>
+      <p:grpSpPr>
+        <a:xfrm>
+          <a:off x="0" y="0"/>
+          <a:ext cx="0" cy="0"/>
+          <a:chOff x="0" y="0"/>
+          <a:chExt cx="0" cy="0"/>
+        </a:xfrm>
+      </p:grpSpPr>
+      <p:sp>
+        <p:nvSpPr>
+          <p:cNvPr id="2" name="Title 1">
+            <a:extLst>
+              <a:ext uri="{FF2B5EF4-FFF2-40B4-BE49-F238E27FC236}">
+                <a16:creationId xmlns:a16="http://schemas.microsoft.com/office/drawing/2014/main" id="{70A4C97D-8F21-3D3B-6A90-EA7145324964}"/>
+              </a:ext>
+            </a:extLst>
+          </p:cNvPr>
+          <p:cNvSpPr>
+            <a:spLocks noGrp="1"/>
+          </p:cNvSpPr>
+          <p:nvPr>
+            <p:ph type="title"/>
+          </p:nvPr>
+        </p:nvSpPr>
+        <p:spPr>
+          <a:xfrm>
+            <a:off x="838200" y="593725"/>
+            <a:ext cx="3561080" cy="1325563"/>
+          </a:xfrm>
+        </p:spPr>
+        <p:txBody>
+          <a:bodyPr>
+            <a:normAutofit/>
+          </a:bodyPr>
+          <a:lstStyle/>
+          <a:p>
+            <a:r>
+              <a:rPr lang="en-US" dirty="0"/>
+              <a:t>Next steps</a:t>
+            </a:r>
+          </a:p>
+        </p:txBody>
+      </p:sp>
+      <p:sp>
+        <p:nvSpPr>
+          <p:cNvPr id="3" name="Content Placeholder 2">
+            <a:extLst>
+              <a:ext uri="{FF2B5EF4-FFF2-40B4-BE49-F238E27FC236}">
+                <a16:creationId xmlns:a16="http://schemas.microsoft.com/office/drawing/2014/main" id="{B9501834-7B32-1ACA-4358-B630FB8EEC36}"/>
+              </a:ext>
+            </a:extLst>
+          </p:cNvPr>
+          <p:cNvSpPr>
+            <a:spLocks noGrp="1"/>
+          </p:cNvSpPr>
+          <p:nvPr>
+            <p:ph idx="1"/>
+          </p:nvPr>
+        </p:nvSpPr>
+        <p:spPr>
+          <a:xfrm>
+            <a:off x="838200" y="1919289"/>
+            <a:ext cx="10215880" cy="4623402"/>
+          </a:xfrm>
+        </p:spPr>
+        <p:txBody>
+          <a:bodyPr>
+            <a:normAutofit/>
+          </a:bodyPr>
+          <a:lstStyle/>
+          <a:p>
+            <a:endParaRPr lang="en-US" dirty="0"/>
+          </a:p>
+        </p:txBody>
+      </p:sp>
+    </p:spTree>
+    <p:extLst>
+      <p:ext uri="{BB962C8B-B14F-4D97-AF65-F5344CB8AC3E}">
+        <p14:creationId xmlns:p14="http://schemas.microsoft.com/office/powerpoint/2010/main" val="1759230395"/>
+      </p:ext>
+    </p:extLst>
+  </p:cSld>
+  <p:clrMapOvr>
+    <a:masterClrMapping/>
+  </p:clrMapOvr>
+</p:sld>
+</file>
+
 <file path=ppt/slides/slide2.xml><?xml version="1.0" encoding="utf-8"?>
 <p:sld xmlns:a="http://schemas.openxmlformats.org/drawingml/2006/main" xmlns:r="http://schemas.openxmlformats.org/officeDocument/2006/relationships" xmlns:p="http://schemas.openxmlformats.org/presentationml/2006/main">
   <p:cSld>
@@ -5617,8 +5896,8 @@
         </p:blipFill>
         <p:spPr>
           <a:xfrm>
-            <a:off x="7302947" y="4383468"/>
-            <a:ext cx="3997960" cy="2469158"/>
+            <a:off x="9652957" y="5834844"/>
+            <a:ext cx="1647949" cy="1017781"/>
           </a:xfrm>
           <a:prstGeom prst="rect">
             <a:avLst/>
@@ -5647,8 +5926,8 @@
         </p:blipFill>
         <p:spPr>
           <a:xfrm>
-            <a:off x="431052" y="4615242"/>
-            <a:ext cx="4458003" cy="2784636"/>
+            <a:off x="1227889" y="5796568"/>
+            <a:ext cx="1917089" cy="1197486"/>
           </a:xfrm>
           <a:prstGeom prst="rect">
             <a:avLst/>
@@ -5714,184 +5993,245 @@
           <a:lstStyle/>
           <a:p>
             <a:r>
-              <a:rPr lang="en-US" b="1" dirty="0"/>
-              <a:t>Convergence methods</a:t>
-            </a:r>
-          </a:p>
-        </p:txBody>
-      </p:sp>
-      <p:sp>
-        <p:nvSpPr>
-          <p:cNvPr id="14" name="Content Placeholder 2">
-            <a:extLst>
-              <a:ext uri="{FF2B5EF4-FFF2-40B4-BE49-F238E27FC236}">
-                <a16:creationId xmlns:a16="http://schemas.microsoft.com/office/drawing/2014/main" id="{86677852-45F5-FF44-A1F6-968E91099513}"/>
-              </a:ext>
-            </a:extLst>
-          </p:cNvPr>
-          <p:cNvSpPr>
-            <a:spLocks noGrp="1"/>
-          </p:cNvSpPr>
-          <p:nvPr>
-            <p:ph idx="1"/>
-          </p:nvPr>
-        </p:nvSpPr>
-        <p:spPr>
-          <a:xfrm>
-            <a:off x="838200" y="1919290"/>
-            <a:ext cx="10124440" cy="4593654"/>
-          </a:xfrm>
-        </p:spPr>
-        <p:txBody>
-          <a:bodyPr>
-            <a:normAutofit fontScale="92500" lnSpcReduction="10000"/>
+              <a:rPr lang="en-US" dirty="0"/>
+              <a:t>In colitis dataset, junctions of CD4 proliferating cells mostly shared with…</a:t>
+            </a:r>
+          </a:p>
+        </p:txBody>
+      </p:sp>
+      <p:pic>
+        <p:nvPicPr>
+          <p:cNvPr id="5" name="Picture 4">
+            <a:extLst>
+              <a:ext uri="{FF2B5EF4-FFF2-40B4-BE49-F238E27FC236}">
+                <a16:creationId xmlns:a16="http://schemas.microsoft.com/office/drawing/2014/main" id="{A841BDF5-7049-8237-3F2C-692422F5FA64}"/>
+              </a:ext>
+            </a:extLst>
+          </p:cNvPr>
+          <p:cNvPicPr>
+            <a:picLocks noChangeAspect="1"/>
+          </p:cNvPicPr>
+          <p:nvPr/>
+        </p:nvPicPr>
+        <p:blipFill>
+          <a:blip r:embed="rId3"/>
+          <a:stretch>
+            <a:fillRect/>
+          </a:stretch>
+        </p:blipFill>
+        <p:spPr>
+          <a:xfrm>
+            <a:off x="0" y="2640059"/>
+            <a:ext cx="6050030" cy="3846028"/>
+          </a:xfrm>
+          <a:prstGeom prst="rect">
+            <a:avLst/>
+          </a:prstGeom>
+        </p:spPr>
+      </p:pic>
+      <p:sp>
+        <p:nvSpPr>
+          <p:cNvPr id="6" name="TextBox 5">
+            <a:extLst>
+              <a:ext uri="{FF2B5EF4-FFF2-40B4-BE49-F238E27FC236}">
+                <a16:creationId xmlns:a16="http://schemas.microsoft.com/office/drawing/2014/main" id="{2B0FEE39-311E-91E7-F84A-794454B01274}"/>
+              </a:ext>
+            </a:extLst>
+          </p:cNvPr>
+          <p:cNvSpPr txBox="1"/>
+          <p:nvPr/>
+        </p:nvSpPr>
+        <p:spPr>
+          <a:xfrm>
+            <a:off x="2353901" y="2270727"/>
+            <a:ext cx="554960" cy="369332"/>
+          </a:xfrm>
+          <a:prstGeom prst="rect">
+            <a:avLst/>
+          </a:prstGeom>
+          <a:noFill/>
+        </p:spPr>
+        <p:txBody>
+          <a:bodyPr wrap="square" rtlCol="0">
+            <a:spAutoFit/>
           </a:bodyPr>
           <a:lstStyle/>
           <a:p>
-            <a:pPr marL="514350" indent="-514350">
-              <a:buFont typeface="+mj-lt"/>
-              <a:buAutoNum type="arabicPeriod"/>
-            </a:pPr>
-            <a:r>
-              <a:rPr lang="en-US" b="0" dirty="0">
-                <a:effectLst/>
-              </a:rPr>
-              <a:t>Colitis dataset: filter out no ICI group</a:t>
-            </a:r>
-          </a:p>
-          <a:p>
-            <a:pPr marL="514350" indent="-514350">
-              <a:buFont typeface="+mj-lt"/>
-              <a:buAutoNum type="arabicPeriod"/>
-            </a:pPr>
-            <a:r>
-              <a:rPr lang="en-US" b="0" dirty="0">
-                <a:effectLst/>
-              </a:rPr>
-              <a:t>Group by cdr3 AA sequence</a:t>
-            </a:r>
-          </a:p>
-          <a:p>
-            <a:pPr marL="514350" indent="-514350">
-              <a:buFont typeface="+mj-lt"/>
-              <a:buAutoNum type="arabicPeriod"/>
-            </a:pPr>
-            <a:r>
-              <a:rPr lang="en-US" b="0" dirty="0">
-                <a:effectLst/>
-              </a:rPr>
-              <a:t>Count </a:t>
-            </a:r>
-            <a:r>
-              <a:rPr lang="en-US" b="0" dirty="0" err="1">
-                <a:effectLst/>
-              </a:rPr>
-              <a:t>n_distinct</a:t>
-            </a:r>
-            <a:r>
-              <a:rPr lang="en-US" b="0" dirty="0">
-                <a:effectLst/>
-              </a:rPr>
-              <a:t> cdr3 NT seqs per CDR3 AA</a:t>
-            </a:r>
-          </a:p>
-          <a:p>
-            <a:pPr marL="514350" indent="-514350">
-              <a:buFont typeface="+mj-lt"/>
-              <a:buAutoNum type="arabicPeriod"/>
-            </a:pPr>
-            <a:r>
-              <a:rPr lang="en-US" b="0" dirty="0">
-                <a:effectLst/>
-              </a:rPr>
-              <a:t>Ungroup</a:t>
-            </a:r>
-          </a:p>
-          <a:p>
-            <a:pPr marL="514350" indent="-514350">
-              <a:buFont typeface="+mj-lt"/>
-              <a:buAutoNum type="arabicPeriod"/>
-            </a:pPr>
-            <a:r>
-              <a:rPr lang="en-US" b="0" dirty="0">
-                <a:effectLst/>
-              </a:rPr>
-              <a:t>Group by CDR3 and </a:t>
-            </a:r>
-            <a:r>
-              <a:rPr lang="en-US" b="0" dirty="0" err="1">
-                <a:effectLst/>
-              </a:rPr>
-              <a:t>irAE</a:t>
-            </a:r>
-            <a:r>
-              <a:rPr lang="en-US" b="0" dirty="0">
-                <a:effectLst/>
-              </a:rPr>
-              <a:t> group (to deal with cases where CDR3 in both groups, also don’t want to group by patient because then double counting CDR3s?)</a:t>
-            </a:r>
-          </a:p>
-          <a:p>
-            <a:pPr marL="514350" indent="-514350">
-              <a:buFont typeface="+mj-lt"/>
-              <a:buAutoNum type="arabicPeriod"/>
-            </a:pPr>
-            <a:r>
-              <a:rPr lang="en-US" b="0" dirty="0">
-                <a:effectLst/>
-              </a:rPr>
-              <a:t>Slice(1)</a:t>
-            </a:r>
-          </a:p>
-          <a:p>
-            <a:pPr marL="514350" indent="-514350">
-              <a:buFont typeface="+mj-lt"/>
-              <a:buAutoNum type="arabicPeriod"/>
-            </a:pPr>
-            <a:r>
-              <a:rPr lang="en-US" b="0" dirty="0">
-                <a:effectLst/>
-              </a:rPr>
-              <a:t>Perform </a:t>
-            </a:r>
-            <a:r>
-              <a:rPr lang="en-US" b="0" dirty="0" err="1">
-                <a:effectLst/>
-              </a:rPr>
-              <a:t>wilcox</a:t>
-            </a:r>
-            <a:r>
-              <a:rPr lang="en-US" b="0" dirty="0">
-                <a:effectLst/>
-              </a:rPr>
-              <a:t> test on distributions of CDR3 NT seqs/CDR3 AA for 2 groups</a:t>
-            </a:r>
-          </a:p>
-          <a:p>
-            <a:pPr marL="514350" indent="-514350">
-              <a:buFont typeface="+mj-lt"/>
-              <a:buAutoNum type="arabicPeriod"/>
-            </a:pPr>
-            <a:r>
-              <a:rPr lang="en-US" b="0" dirty="0">
-                <a:effectLst/>
-              </a:rPr>
-              <a:t>To plot histogram, normalize each group by sum of counts</a:t>
-            </a:r>
-          </a:p>
-          <a:p>
-            <a:pPr marL="514350" indent="-514350">
-              <a:buFont typeface="+mj-lt"/>
-              <a:buAutoNum type="arabicPeriod"/>
-            </a:pPr>
-            <a:endParaRPr lang="en-US" dirty="0"/>
-          </a:p>
-        </p:txBody>
-      </p:sp>
+            <a:r>
+              <a:rPr lang="en-US" dirty="0"/>
+              <a:t>TRA</a:t>
+            </a:r>
+          </a:p>
+        </p:txBody>
+      </p:sp>
+      <p:pic>
+        <p:nvPicPr>
+          <p:cNvPr id="7" name="Picture 6">
+            <a:extLst>
+              <a:ext uri="{FF2B5EF4-FFF2-40B4-BE49-F238E27FC236}">
+                <a16:creationId xmlns:a16="http://schemas.microsoft.com/office/drawing/2014/main" id="{4864D8AF-E2CB-F585-9AA6-9D87E0A5639B}"/>
+              </a:ext>
+            </a:extLst>
+          </p:cNvPr>
+          <p:cNvPicPr>
+            <a:picLocks noChangeAspect="1"/>
+          </p:cNvPicPr>
+          <p:nvPr/>
+        </p:nvPicPr>
+        <p:blipFill>
+          <a:blip r:embed="rId4"/>
+          <a:stretch>
+            <a:fillRect/>
+          </a:stretch>
+        </p:blipFill>
+        <p:spPr>
+          <a:xfrm>
+            <a:off x="5994148" y="2640059"/>
+            <a:ext cx="6197852" cy="3846028"/>
+          </a:xfrm>
+          <a:prstGeom prst="rect">
+            <a:avLst/>
+          </a:prstGeom>
+        </p:spPr>
+      </p:pic>
+      <p:sp>
+        <p:nvSpPr>
+          <p:cNvPr id="8" name="TextBox 7">
+            <a:extLst>
+              <a:ext uri="{FF2B5EF4-FFF2-40B4-BE49-F238E27FC236}">
+                <a16:creationId xmlns:a16="http://schemas.microsoft.com/office/drawing/2014/main" id="{4A228A4A-E06C-9F92-A27C-74DD381F2C27}"/>
+              </a:ext>
+            </a:extLst>
+          </p:cNvPr>
+          <p:cNvSpPr txBox="1"/>
+          <p:nvPr/>
+        </p:nvSpPr>
+        <p:spPr>
+          <a:xfrm>
+            <a:off x="8255060" y="2270727"/>
+            <a:ext cx="554960" cy="369332"/>
+          </a:xfrm>
+          <a:prstGeom prst="rect">
+            <a:avLst/>
+          </a:prstGeom>
+          <a:noFill/>
+        </p:spPr>
+        <p:txBody>
+          <a:bodyPr wrap="square" rtlCol="0">
+            <a:spAutoFit/>
+          </a:bodyPr>
+          <a:lstStyle/>
+          <a:p>
+            <a:r>
+              <a:rPr lang="en-US" dirty="0"/>
+              <a:t>TRB</a:t>
+            </a:r>
+          </a:p>
+        </p:txBody>
+      </p:sp>
+      <p:sp>
+        <p:nvSpPr>
+          <p:cNvPr id="9" name="TextBox 8">
+            <a:extLst>
+              <a:ext uri="{FF2B5EF4-FFF2-40B4-BE49-F238E27FC236}">
+                <a16:creationId xmlns:a16="http://schemas.microsoft.com/office/drawing/2014/main" id="{5F2BB90B-CAB4-DE8B-1B7A-F491E33F9439}"/>
+              </a:ext>
+            </a:extLst>
+          </p:cNvPr>
+          <p:cNvSpPr txBox="1"/>
+          <p:nvPr/>
+        </p:nvSpPr>
+        <p:spPr>
+          <a:xfrm>
+            <a:off x="3226279" y="6460208"/>
+            <a:ext cx="5203925" cy="369332"/>
+          </a:xfrm>
+          <a:prstGeom prst="rect">
+            <a:avLst/>
+          </a:prstGeom>
+          <a:noFill/>
+        </p:spPr>
+        <p:txBody>
+          <a:bodyPr wrap="none" rtlCol="0">
+            <a:spAutoFit/>
+          </a:bodyPr>
+          <a:lstStyle/>
+          <a:p>
+            <a:r>
+              <a:rPr lang="en-US" dirty="0" err="1"/>
+              <a:t>Downsampled</a:t>
+            </a:r>
+            <a:r>
+              <a:rPr lang="en-US" dirty="0"/>
+              <a:t> linkages to 1500 (crashed R otherwise)</a:t>
+            </a:r>
+          </a:p>
+        </p:txBody>
+      </p:sp>
+      <p:pic>
+        <p:nvPicPr>
+          <p:cNvPr id="12" name="Picture 11">
+            <a:extLst>
+              <a:ext uri="{FF2B5EF4-FFF2-40B4-BE49-F238E27FC236}">
+                <a16:creationId xmlns:a16="http://schemas.microsoft.com/office/drawing/2014/main" id="{6B397FD2-E9B6-9285-66E3-C0E50616F00B}"/>
+              </a:ext>
+            </a:extLst>
+          </p:cNvPr>
+          <p:cNvPicPr>
+            <a:picLocks noChangeAspect="1"/>
+          </p:cNvPicPr>
+          <p:nvPr/>
+        </p:nvPicPr>
+        <p:blipFill>
+          <a:blip r:embed="rId5"/>
+          <a:stretch>
+            <a:fillRect/>
+          </a:stretch>
+        </p:blipFill>
+        <p:spPr>
+          <a:xfrm>
+            <a:off x="564317" y="4447055"/>
+            <a:ext cx="3887187" cy="2197819"/>
+          </a:xfrm>
+          <a:prstGeom prst="rect">
+            <a:avLst/>
+          </a:prstGeom>
+        </p:spPr>
+      </p:pic>
+      <p:pic>
+        <p:nvPicPr>
+          <p:cNvPr id="13" name="Picture 12">
+            <a:extLst>
+              <a:ext uri="{FF2B5EF4-FFF2-40B4-BE49-F238E27FC236}">
+                <a16:creationId xmlns:a16="http://schemas.microsoft.com/office/drawing/2014/main" id="{631554FA-4024-232A-8674-97EB9D645E23}"/>
+              </a:ext>
+            </a:extLst>
+          </p:cNvPr>
+          <p:cNvPicPr>
+            <a:picLocks noChangeAspect="1"/>
+          </p:cNvPicPr>
+          <p:nvPr/>
+        </p:nvPicPr>
+        <p:blipFill>
+          <a:blip r:embed="rId6"/>
+          <a:stretch>
+            <a:fillRect/>
+          </a:stretch>
+        </p:blipFill>
+        <p:spPr>
+          <a:xfrm>
+            <a:off x="6614347" y="4217942"/>
+            <a:ext cx="4076517" cy="2271449"/>
+          </a:xfrm>
+          <a:prstGeom prst="rect">
+            <a:avLst/>
+          </a:prstGeom>
+        </p:spPr>
+      </p:pic>
     </p:spTree>
     <p:extLst>
       <p:ext uri="{BB962C8B-B14F-4D97-AF65-F5344CB8AC3E}">
-        <p14:creationId xmlns:p14="http://schemas.microsoft.com/office/powerpoint/2010/main" val="41798994"/>
+        <p14:creationId xmlns:p14="http://schemas.microsoft.com/office/powerpoint/2010/main" val="3582423917"/>
       </p:ext>
     </p:extLst>
   </p:cSld>
@@ -5947,26 +6287,18 @@
           <a:lstStyle/>
           <a:p>
             <a:r>
-              <a:rPr lang="en-US" b="1" dirty="0"/>
-              <a:t>Convergence might be higher in CD4 Ts in no </a:t>
-            </a:r>
-            <a:r>
-              <a:rPr lang="en-US" b="1" dirty="0" err="1"/>
-              <a:t>irAE</a:t>
-            </a:r>
-            <a:r>
-              <a:rPr lang="en-US" b="1" dirty="0"/>
-              <a:t> group?</a:t>
-            </a:r>
-          </a:p>
-        </p:txBody>
-      </p:sp>
-      <p:sp>
-        <p:nvSpPr>
-          <p:cNvPr id="5" name="TextBox 4">
-            <a:extLst>
-              <a:ext uri="{FF2B5EF4-FFF2-40B4-BE49-F238E27FC236}">
-                <a16:creationId xmlns:a16="http://schemas.microsoft.com/office/drawing/2014/main" id="{DA3333FF-7FC9-625A-54C7-3DD46FA3DB3B}"/>
+              <a:rPr lang="en-US" dirty="0"/>
+              <a:t>In colitis dataset, junctions of CD8 naive cells mostly shared with…</a:t>
+            </a:r>
+          </a:p>
+        </p:txBody>
+      </p:sp>
+      <p:sp>
+        <p:nvSpPr>
+          <p:cNvPr id="6" name="TextBox 5">
+            <a:extLst>
+              <a:ext uri="{FF2B5EF4-FFF2-40B4-BE49-F238E27FC236}">
+                <a16:creationId xmlns:a16="http://schemas.microsoft.com/office/drawing/2014/main" id="{2B0FEE39-311E-91E7-F84A-794454B01274}"/>
               </a:ext>
             </a:extLst>
           </p:cNvPr>
@@ -5975,8 +6307,8 @@
         </p:nvSpPr>
         <p:spPr>
           <a:xfrm>
-            <a:off x="1859280" y="1897658"/>
-            <a:ext cx="2296160" cy="369332"/>
+            <a:off x="2353901" y="2270727"/>
+            <a:ext cx="554960" cy="369332"/>
           </a:xfrm>
           <a:prstGeom prst="rect">
             <a:avLst/>
@@ -5991,17 +6323,17 @@
           <a:p>
             <a:r>
               <a:rPr lang="en-US" dirty="0"/>
-              <a:t>Myocarditis dataset</a:t>
-            </a:r>
-          </a:p>
-        </p:txBody>
-      </p:sp>
-      <p:sp>
-        <p:nvSpPr>
-          <p:cNvPr id="6" name="TextBox 5">
-            <a:extLst>
-              <a:ext uri="{FF2B5EF4-FFF2-40B4-BE49-F238E27FC236}">
-                <a16:creationId xmlns:a16="http://schemas.microsoft.com/office/drawing/2014/main" id="{5DC335F2-F2D2-828C-C37A-E24E13038A5E}"/>
+              <a:t>TRA</a:t>
+            </a:r>
+          </a:p>
+        </p:txBody>
+      </p:sp>
+      <p:sp>
+        <p:nvSpPr>
+          <p:cNvPr id="8" name="TextBox 7">
+            <a:extLst>
+              <a:ext uri="{FF2B5EF4-FFF2-40B4-BE49-F238E27FC236}">
+                <a16:creationId xmlns:a16="http://schemas.microsoft.com/office/drawing/2014/main" id="{4A228A4A-E06C-9F92-A27C-74DD381F2C27}"/>
               </a:ext>
             </a:extLst>
           </p:cNvPr>
@@ -6010,8 +6342,8 @@
         </p:nvSpPr>
         <p:spPr>
           <a:xfrm>
-            <a:off x="3447795" y="6046595"/>
-            <a:ext cx="5488041" cy="646331"/>
+            <a:off x="8255060" y="2270727"/>
+            <a:ext cx="554960" cy="369332"/>
           </a:xfrm>
           <a:prstGeom prst="rect">
             <a:avLst/>
@@ -6019,28 +6351,14 @@
           <a:noFill/>
         </p:spPr>
         <p:txBody>
-          <a:bodyPr wrap="none" rtlCol="0">
+          <a:bodyPr wrap="square" rtlCol="0">
             <a:spAutoFit/>
           </a:bodyPr>
           <a:lstStyle/>
           <a:p>
             <a:r>
               <a:rPr lang="en-US" dirty="0"/>
-              <a:t>Caveat:</a:t>
-            </a:r>
-          </a:p>
-          <a:p>
-            <a:r>
-              <a:rPr lang="en-US" dirty="0"/>
-              <a:t> - including both </a:t>
-            </a:r>
-            <a:r>
-              <a:rPr lang="en-US" dirty="0" err="1"/>
-              <a:t>intrapatient</a:t>
-            </a:r>
-            <a:r>
-              <a:rPr lang="en-US" dirty="0"/>
-              <a:t> &amp; interpatient convergence</a:t>
+              <a:t>TRB</a:t>
             </a:r>
           </a:p>
         </p:txBody>
@@ -6050,7 +6368,7 @@
           <p:cNvPr id="9" name="TextBox 8">
             <a:extLst>
               <a:ext uri="{FF2B5EF4-FFF2-40B4-BE49-F238E27FC236}">
-                <a16:creationId xmlns:a16="http://schemas.microsoft.com/office/drawing/2014/main" id="{507DAEF8-ACAC-CDCE-83DB-BF54627A8045}"/>
+                <a16:creationId xmlns:a16="http://schemas.microsoft.com/office/drawing/2014/main" id="{5F2BB90B-CAB4-DE8B-1B7A-F491E33F9439}"/>
               </a:ext>
             </a:extLst>
           </p:cNvPr>
@@ -6059,8 +6377,8 @@
         </p:nvSpPr>
         <p:spPr>
           <a:xfrm>
-            <a:off x="7977153" y="1948458"/>
-            <a:ext cx="2296160" cy="369332"/>
+            <a:off x="3226279" y="6460208"/>
+            <a:ext cx="5203925" cy="369332"/>
           </a:xfrm>
           <a:prstGeom prst="rect">
             <a:avLst/>
@@ -6068,24 +6386,28 @@
           <a:noFill/>
         </p:spPr>
         <p:txBody>
-          <a:bodyPr wrap="square" rtlCol="0">
+          <a:bodyPr wrap="none" rtlCol="0">
             <a:spAutoFit/>
           </a:bodyPr>
           <a:lstStyle/>
           <a:p>
             <a:r>
+              <a:rPr lang="en-US" dirty="0" err="1"/>
+              <a:t>Downsampled</a:t>
+            </a:r>
+            <a:r>
               <a:rPr lang="en-US" dirty="0"/>
-              <a:t>Colitis dataset</a:t>
+              <a:t> linkages to 1500 (crashed R otherwise)</a:t>
             </a:r>
           </a:p>
         </p:txBody>
       </p:sp>
       <p:pic>
         <p:nvPicPr>
-          <p:cNvPr id="7" name="Picture 6">
-            <a:extLst>
-              <a:ext uri="{FF2B5EF4-FFF2-40B4-BE49-F238E27FC236}">
-                <a16:creationId xmlns:a16="http://schemas.microsoft.com/office/drawing/2014/main" id="{51432982-90EC-E0D3-C804-F3F35CC4EC5C}"/>
+          <p:cNvPr id="10" name="Picture 9">
+            <a:extLst>
+              <a:ext uri="{FF2B5EF4-FFF2-40B4-BE49-F238E27FC236}">
+                <a16:creationId xmlns:a16="http://schemas.microsoft.com/office/drawing/2014/main" id="{DDA2D948-7ED7-75E9-4FAA-61F673C72F29}"/>
               </a:ext>
             </a:extLst>
           </p:cNvPr>
@@ -6102,8 +6424,8 @@
         </p:blipFill>
         <p:spPr>
           <a:xfrm>
-            <a:off x="6096000" y="2402840"/>
-            <a:ext cx="5414492" cy="3365554"/>
+            <a:off x="60385" y="2755749"/>
+            <a:ext cx="5961595" cy="3704459"/>
           </a:xfrm>
           <a:prstGeom prst="rect">
             <a:avLst/>
@@ -6112,10 +6434,10 @@
       </p:pic>
       <p:pic>
         <p:nvPicPr>
-          <p:cNvPr id="8" name="Picture 7">
-            <a:extLst>
-              <a:ext uri="{FF2B5EF4-FFF2-40B4-BE49-F238E27FC236}">
-                <a16:creationId xmlns:a16="http://schemas.microsoft.com/office/drawing/2014/main" id="{3FF35383-8499-6C55-CEA1-3974B7060798}"/>
+          <p:cNvPr id="3" name="Picture 2">
+            <a:extLst>
+              <a:ext uri="{FF2B5EF4-FFF2-40B4-BE49-F238E27FC236}">
+                <a16:creationId xmlns:a16="http://schemas.microsoft.com/office/drawing/2014/main" id="{05A2B630-4B06-9F45-666F-55EE6B7B8796}"/>
               </a:ext>
             </a:extLst>
           </p:cNvPr>
@@ -6132,8 +6454,68 @@
         </p:blipFill>
         <p:spPr>
           <a:xfrm>
-            <a:off x="204753" y="2402840"/>
-            <a:ext cx="5655269" cy="3507905"/>
+            <a:off x="5931305" y="2727389"/>
+            <a:ext cx="5961595" cy="3761178"/>
+          </a:xfrm>
+          <a:prstGeom prst="rect">
+            <a:avLst/>
+          </a:prstGeom>
+        </p:spPr>
+      </p:pic>
+      <p:pic>
+        <p:nvPicPr>
+          <p:cNvPr id="4" name="Picture 3">
+            <a:extLst>
+              <a:ext uri="{FF2B5EF4-FFF2-40B4-BE49-F238E27FC236}">
+                <a16:creationId xmlns:a16="http://schemas.microsoft.com/office/drawing/2014/main" id="{CE885C88-96C8-2B03-1B67-147A40CBA173}"/>
+              </a:ext>
+            </a:extLst>
+          </p:cNvPr>
+          <p:cNvPicPr>
+            <a:picLocks noChangeAspect="1"/>
+          </p:cNvPicPr>
+          <p:nvPr/>
+        </p:nvPicPr>
+        <p:blipFill>
+          <a:blip r:embed="rId5"/>
+          <a:stretch>
+            <a:fillRect/>
+          </a:stretch>
+        </p:blipFill>
+        <p:spPr>
+          <a:xfrm>
+            <a:off x="483706" y="4228347"/>
+            <a:ext cx="3740390" cy="2116171"/>
+          </a:xfrm>
+          <a:prstGeom prst="rect">
+            <a:avLst/>
+          </a:prstGeom>
+        </p:spPr>
+      </p:pic>
+      <p:pic>
+        <p:nvPicPr>
+          <p:cNvPr id="12" name="Picture 11">
+            <a:extLst>
+              <a:ext uri="{FF2B5EF4-FFF2-40B4-BE49-F238E27FC236}">
+                <a16:creationId xmlns:a16="http://schemas.microsoft.com/office/drawing/2014/main" id="{D2C5F328-9B4A-BE07-C206-553B0E37D4F7}"/>
+              </a:ext>
+            </a:extLst>
+          </p:cNvPr>
+          <p:cNvPicPr>
+            <a:picLocks noChangeAspect="1"/>
+          </p:cNvPicPr>
+          <p:nvPr/>
+        </p:nvPicPr>
+        <p:blipFill>
+          <a:blip r:embed="rId6"/>
+          <a:stretch>
+            <a:fillRect/>
+          </a:stretch>
+        </p:blipFill>
+        <p:spPr>
+          <a:xfrm>
+            <a:off x="7159924" y="4773353"/>
+            <a:ext cx="3742723" cy="2056187"/>
           </a:xfrm>
           <a:prstGeom prst="rect">
             <a:avLst/>
@@ -6143,7 +6525,7 @@
     </p:spTree>
     <p:extLst>
       <p:ext uri="{BB962C8B-B14F-4D97-AF65-F5344CB8AC3E}">
-        <p14:creationId xmlns:p14="http://schemas.microsoft.com/office/powerpoint/2010/main" val="2124895016"/>
+        <p14:creationId xmlns:p14="http://schemas.microsoft.com/office/powerpoint/2010/main" val="3674118435"/>
       </p:ext>
     </p:extLst>
   </p:cSld>
@@ -6199,324 +6581,184 @@
           <a:lstStyle/>
           <a:p>
             <a:r>
-              <a:rPr lang="en-US" dirty="0"/>
-              <a:t>Given ability of rare clonotypes to drive disease, also looked into non-cumulative clonotype heatmaps</a:t>
-            </a:r>
-          </a:p>
-        </p:txBody>
-      </p:sp>
-      <p:sp>
-        <p:nvSpPr>
-          <p:cNvPr id="5" name="TextBox 4">
-            <a:extLst>
-              <a:ext uri="{FF2B5EF4-FFF2-40B4-BE49-F238E27FC236}">
-                <a16:creationId xmlns:a16="http://schemas.microsoft.com/office/drawing/2014/main" id="{DA3333FF-7FC9-625A-54C7-3DD46FA3DB3B}"/>
-              </a:ext>
-            </a:extLst>
-          </p:cNvPr>
-          <p:cNvSpPr txBox="1"/>
-          <p:nvPr/>
-        </p:nvSpPr>
-        <p:spPr>
-          <a:xfrm>
-            <a:off x="1859280" y="2527578"/>
-            <a:ext cx="2296160" cy="369332"/>
-          </a:xfrm>
-          <a:prstGeom prst="rect">
-            <a:avLst/>
-          </a:prstGeom>
-          <a:noFill/>
-        </p:spPr>
-        <p:txBody>
-          <a:bodyPr wrap="square" rtlCol="0">
-            <a:spAutoFit/>
+              <a:rPr lang="en-US" b="1" dirty="0"/>
+              <a:t>Convergence methods</a:t>
+            </a:r>
+          </a:p>
+        </p:txBody>
+      </p:sp>
+      <p:sp>
+        <p:nvSpPr>
+          <p:cNvPr id="14" name="Content Placeholder 2">
+            <a:extLst>
+              <a:ext uri="{FF2B5EF4-FFF2-40B4-BE49-F238E27FC236}">
+                <a16:creationId xmlns:a16="http://schemas.microsoft.com/office/drawing/2014/main" id="{86677852-45F5-FF44-A1F6-968E91099513}"/>
+              </a:ext>
+            </a:extLst>
+          </p:cNvPr>
+          <p:cNvSpPr>
+            <a:spLocks noGrp="1"/>
+          </p:cNvSpPr>
+          <p:nvPr>
+            <p:ph idx="1"/>
+          </p:nvPr>
+        </p:nvSpPr>
+        <p:spPr>
+          <a:xfrm>
+            <a:off x="838200" y="1919290"/>
+            <a:ext cx="10124440" cy="4593654"/>
+          </a:xfrm>
+        </p:spPr>
+        <p:txBody>
+          <a:bodyPr>
+            <a:normAutofit fontScale="92500" lnSpcReduction="10000"/>
           </a:bodyPr>
           <a:lstStyle/>
           <a:p>
-            <a:r>
-              <a:rPr lang="en-US" dirty="0"/>
-              <a:t>Myocarditis dataset</a:t>
-            </a:r>
-          </a:p>
-        </p:txBody>
-      </p:sp>
-      <p:pic>
-        <p:nvPicPr>
-          <p:cNvPr id="7" name="Picture 6">
-            <a:extLst>
-              <a:ext uri="{FF2B5EF4-FFF2-40B4-BE49-F238E27FC236}">
-                <a16:creationId xmlns:a16="http://schemas.microsoft.com/office/drawing/2014/main" id="{34F2BFEF-1D4C-376D-81A2-CB5173EBC48F}"/>
-              </a:ext>
-            </a:extLst>
-          </p:cNvPr>
-          <p:cNvPicPr>
-            <a:picLocks noChangeAspect="1"/>
-          </p:cNvPicPr>
-          <p:nvPr/>
-        </p:nvPicPr>
-        <p:blipFill>
-          <a:blip r:embed="rId3"/>
-          <a:stretch>
-            <a:fillRect/>
-          </a:stretch>
-        </p:blipFill>
-        <p:spPr>
-          <a:xfrm>
-            <a:off x="0" y="2883842"/>
-            <a:ext cx="5842000" cy="3599452"/>
-          </a:xfrm>
-          <a:prstGeom prst="rect">
-            <a:avLst/>
-          </a:prstGeom>
-        </p:spPr>
-      </p:pic>
-      <p:pic>
-        <p:nvPicPr>
-          <p:cNvPr id="3" name="Picture 2">
-            <a:extLst>
-              <a:ext uri="{FF2B5EF4-FFF2-40B4-BE49-F238E27FC236}">
-                <a16:creationId xmlns:a16="http://schemas.microsoft.com/office/drawing/2014/main" id="{D0D92938-1A29-78AE-C397-7E0423532E3C}"/>
-              </a:ext>
-            </a:extLst>
-          </p:cNvPr>
-          <p:cNvPicPr>
-            <a:picLocks noChangeAspect="1"/>
-          </p:cNvPicPr>
-          <p:nvPr/>
-        </p:nvPicPr>
-        <p:blipFill>
-          <a:blip r:embed="rId4"/>
-          <a:stretch>
-            <a:fillRect/>
-          </a:stretch>
-        </p:blipFill>
-        <p:spPr>
-          <a:xfrm>
-            <a:off x="6121784" y="2883842"/>
-            <a:ext cx="5908067" cy="3599452"/>
-          </a:xfrm>
-          <a:prstGeom prst="rect">
-            <a:avLst/>
-          </a:prstGeom>
-        </p:spPr>
-      </p:pic>
-      <p:sp>
-        <p:nvSpPr>
-          <p:cNvPr id="8" name="TextBox 7">
-            <a:extLst>
-              <a:ext uri="{FF2B5EF4-FFF2-40B4-BE49-F238E27FC236}">
-                <a16:creationId xmlns:a16="http://schemas.microsoft.com/office/drawing/2014/main" id="{5A10C4CE-FDD1-7463-29A8-65E4EEB1F3A1}"/>
-              </a:ext>
-            </a:extLst>
-          </p:cNvPr>
-          <p:cNvSpPr txBox="1"/>
-          <p:nvPr/>
-        </p:nvSpPr>
-        <p:spPr>
-          <a:xfrm>
-            <a:off x="8008812" y="2538447"/>
-            <a:ext cx="2296160" cy="369332"/>
-          </a:xfrm>
-          <a:prstGeom prst="rect">
-            <a:avLst/>
-          </a:prstGeom>
-          <a:noFill/>
-        </p:spPr>
-        <p:txBody>
-          <a:bodyPr wrap="square" rtlCol="0">
-            <a:spAutoFit/>
-          </a:bodyPr>
-          <a:lstStyle/>
-          <a:p>
-            <a:r>
-              <a:rPr lang="en-US" dirty="0"/>
-              <a:t>Colitis dataset</a:t>
-            </a:r>
-          </a:p>
-        </p:txBody>
-      </p:sp>
-      <p:sp>
-        <p:nvSpPr>
-          <p:cNvPr id="9" name="Content Placeholder 2">
-            <a:extLst>
-              <a:ext uri="{FF2B5EF4-FFF2-40B4-BE49-F238E27FC236}">
-                <a16:creationId xmlns:a16="http://schemas.microsoft.com/office/drawing/2014/main" id="{BF67597C-A32B-4AC9-613A-289A11D28AB0}"/>
-              </a:ext>
-            </a:extLst>
-          </p:cNvPr>
-          <p:cNvSpPr>
-            <a:spLocks noGrp="1"/>
-          </p:cNvSpPr>
-          <p:nvPr>
-            <p:ph idx="1"/>
-          </p:nvPr>
-        </p:nvSpPr>
-        <p:spPr>
-          <a:xfrm>
-            <a:off x="838200" y="1919289"/>
-            <a:ext cx="10124440" cy="760689"/>
-          </a:xfrm>
-        </p:spPr>
-        <p:txBody>
-          <a:bodyPr>
-            <a:normAutofit fontScale="77500" lnSpcReduction="20000"/>
-          </a:bodyPr>
-          <a:lstStyle/>
-          <a:p>
-            <a:r>
-              <a:rPr lang="en-US" dirty="0"/>
-              <a:t>CD4s in myocarditis dataset (normalized by clonotype depth) have some feature differences (</a:t>
-            </a:r>
-            <a:r>
-              <a:rPr lang="en-US" dirty="0" err="1"/>
-              <a:t>padj</a:t>
-            </a:r>
-            <a:r>
-              <a:rPr lang="en-US" dirty="0"/>
-              <a:t>), not recapitulated if </a:t>
-            </a:r>
-            <a:r>
-              <a:rPr lang="en-US" dirty="0" err="1"/>
-              <a:t>downsampled</a:t>
-            </a:r>
-            <a:r>
-              <a:rPr lang="en-US" dirty="0"/>
-              <a:t> or in colitis dataset</a:t>
-            </a:r>
-          </a:p>
-        </p:txBody>
-      </p:sp>
-      <p:sp>
-        <p:nvSpPr>
-          <p:cNvPr id="10" name="TextBox 9">
-            <a:extLst>
-              <a:ext uri="{FF2B5EF4-FFF2-40B4-BE49-F238E27FC236}">
-                <a16:creationId xmlns:a16="http://schemas.microsoft.com/office/drawing/2014/main" id="{670760CA-5905-4A68-CF53-F8EBDDAFBE9D}"/>
-              </a:ext>
-            </a:extLst>
-          </p:cNvPr>
-          <p:cNvSpPr txBox="1"/>
-          <p:nvPr/>
-        </p:nvSpPr>
-        <p:spPr>
-          <a:xfrm>
-            <a:off x="71120" y="6317826"/>
-            <a:ext cx="4084320" cy="369332"/>
-          </a:xfrm>
-          <a:prstGeom prst="rect">
-            <a:avLst/>
-          </a:prstGeom>
-          <a:noFill/>
-        </p:spPr>
-        <p:txBody>
-          <a:bodyPr wrap="square" rtlCol="0">
-            <a:spAutoFit/>
-          </a:bodyPr>
-          <a:lstStyle/>
-          <a:p>
-            <a:r>
-              <a:rPr lang="en-US" dirty="0">
-                <a:sym typeface="Wingdings" pitchFamily="2" charset="2"/>
+            <a:pPr marL="514350" indent="-514350">
+              <a:buFont typeface="+mj-lt"/>
+              <a:buAutoNum type="arabicPeriod"/>
+            </a:pPr>
+            <a:r>
+              <a:rPr lang="en-US" b="0" dirty="0">
+                <a:effectLst/>
               </a:rPr>
-              <a:t> </a:t>
-            </a:r>
-            <a:r>
-              <a:rPr lang="en-US" dirty="0"/>
-              <a:t>Increasing clonotype abundance</a:t>
-            </a:r>
-          </a:p>
-        </p:txBody>
-      </p:sp>
-      <p:sp>
-        <p:nvSpPr>
-          <p:cNvPr id="11" name="TextBox 10">
-            <a:extLst>
-              <a:ext uri="{FF2B5EF4-FFF2-40B4-BE49-F238E27FC236}">
-                <a16:creationId xmlns:a16="http://schemas.microsoft.com/office/drawing/2014/main" id="{D83B00FC-695D-3221-7B14-555153168B0C}"/>
-              </a:ext>
-            </a:extLst>
-          </p:cNvPr>
-          <p:cNvSpPr txBox="1"/>
-          <p:nvPr/>
-        </p:nvSpPr>
-        <p:spPr>
-          <a:xfrm>
-            <a:off x="5900420" y="6317826"/>
-            <a:ext cx="4084320" cy="369332"/>
-          </a:xfrm>
-          <a:prstGeom prst="rect">
-            <a:avLst/>
-          </a:prstGeom>
-          <a:noFill/>
-        </p:spPr>
-        <p:txBody>
-          <a:bodyPr wrap="square" rtlCol="0">
-            <a:spAutoFit/>
-          </a:bodyPr>
-          <a:lstStyle/>
-          <a:p>
-            <a:r>
-              <a:rPr lang="en-US" dirty="0">
-                <a:sym typeface="Wingdings" pitchFamily="2" charset="2"/>
+              <a:t>Colitis dataset: filter out no ICI group</a:t>
+            </a:r>
+          </a:p>
+          <a:p>
+            <a:pPr marL="514350" indent="-514350">
+              <a:buFont typeface="+mj-lt"/>
+              <a:buAutoNum type="arabicPeriod"/>
+            </a:pPr>
+            <a:r>
+              <a:rPr lang="en-US" b="0" dirty="0">
+                <a:effectLst/>
               </a:rPr>
-              <a:t> </a:t>
-            </a:r>
-            <a:r>
-              <a:rPr lang="en-US" dirty="0"/>
-              <a:t>Increasing clonotype abundance</a:t>
-            </a:r>
-          </a:p>
-        </p:txBody>
-      </p:sp>
-      <p:sp>
-        <p:nvSpPr>
-          <p:cNvPr id="12" name="TextBox 11">
-            <a:extLst>
-              <a:ext uri="{FF2B5EF4-FFF2-40B4-BE49-F238E27FC236}">
-                <a16:creationId xmlns:a16="http://schemas.microsoft.com/office/drawing/2014/main" id="{310E4D3C-4090-8D69-3A83-214DA12C797C}"/>
-              </a:ext>
-            </a:extLst>
-          </p:cNvPr>
-          <p:cNvSpPr txBox="1"/>
-          <p:nvPr/>
-        </p:nvSpPr>
-        <p:spPr>
-          <a:xfrm>
-            <a:off x="3579987" y="6483294"/>
-            <a:ext cx="7382653" cy="369332"/>
-          </a:xfrm>
-          <a:prstGeom prst="rect">
-            <a:avLst/>
-          </a:prstGeom>
-          <a:noFill/>
-        </p:spPr>
-        <p:txBody>
-          <a:bodyPr wrap="square" rtlCol="0">
-            <a:spAutoFit/>
-          </a:bodyPr>
-          <a:lstStyle/>
-          <a:p>
-            <a:r>
-              <a:rPr lang="en-US" sz="1800" dirty="0">
+              <a:t>Group by cdr3 AA sequence</a:t>
+            </a:r>
+          </a:p>
+          <a:p>
+            <a:pPr marL="514350" indent="-514350">
+              <a:buFont typeface="+mj-lt"/>
+              <a:buAutoNum type="arabicPeriod"/>
+            </a:pPr>
+            <a:r>
+              <a:rPr lang="en-US" b="0" dirty="0">
                 <a:effectLst/>
-                <a:ea typeface="Calibri" panose="020F0502020204030204" pitchFamily="34" charset="0"/>
-                <a:cs typeface="Times New Roman" panose="02020603050405020304" pitchFamily="18" charset="0"/>
               </a:rPr>
-              <a:t>**, p &lt;1e-2; *; p &lt;0.05</a:t>
-            </a:r>
-            <a:endParaRPr lang="en-US" sz="1800" b="0" i="0" u="none" strike="noStrike" dirty="0">
-              <a:solidFill>
-                <a:srgbClr val="212121"/>
-              </a:solidFill>
-              <a:effectLst/>
-            </a:endParaRPr>
+              <a:t>Count </a:t>
+            </a:r>
+            <a:r>
+              <a:rPr lang="en-US" b="0" dirty="0" err="1">
+                <a:effectLst/>
+              </a:rPr>
+              <a:t>n_distinct</a:t>
+            </a:r>
+            <a:r>
+              <a:rPr lang="en-US" b="0" dirty="0">
+                <a:effectLst/>
+              </a:rPr>
+              <a:t> cdr3 NT seqs per CDR3 AA</a:t>
+            </a:r>
+          </a:p>
+          <a:p>
+            <a:pPr marL="514350" indent="-514350">
+              <a:buFont typeface="+mj-lt"/>
+              <a:buAutoNum type="arabicPeriod"/>
+            </a:pPr>
+            <a:r>
+              <a:rPr lang="en-US" b="0" dirty="0">
+                <a:effectLst/>
+              </a:rPr>
+              <a:t>Ungroup</a:t>
+            </a:r>
+          </a:p>
+          <a:p>
+            <a:pPr marL="514350" indent="-514350">
+              <a:buFont typeface="+mj-lt"/>
+              <a:buAutoNum type="arabicPeriod"/>
+            </a:pPr>
+            <a:r>
+              <a:rPr lang="en-US" b="0" dirty="0">
+                <a:effectLst/>
+              </a:rPr>
+              <a:t>Group by CDR3 and </a:t>
+            </a:r>
+            <a:r>
+              <a:rPr lang="en-US" b="0" dirty="0" err="1">
+                <a:effectLst/>
+              </a:rPr>
+              <a:t>irAE</a:t>
+            </a:r>
+            <a:r>
+              <a:rPr lang="en-US" b="0" dirty="0">
+                <a:effectLst/>
+              </a:rPr>
+              <a:t> group (to deal with cases where CDR3 in both groups, also don’t want to group by patient because then double counting CDR3s?)</a:t>
+            </a:r>
+          </a:p>
+          <a:p>
+            <a:pPr marL="514350" indent="-514350">
+              <a:buFont typeface="+mj-lt"/>
+              <a:buAutoNum type="arabicPeriod"/>
+            </a:pPr>
+            <a:r>
+              <a:rPr lang="en-US" b="0" dirty="0">
+                <a:effectLst/>
+              </a:rPr>
+              <a:t>Slice(1)</a:t>
+            </a:r>
+          </a:p>
+          <a:p>
+            <a:pPr marL="514350" indent="-514350">
+              <a:buFont typeface="+mj-lt"/>
+              <a:buAutoNum type="arabicPeriod"/>
+            </a:pPr>
+            <a:r>
+              <a:rPr lang="en-US" b="0" dirty="0">
+                <a:effectLst/>
+              </a:rPr>
+              <a:t>Perform </a:t>
+            </a:r>
+            <a:r>
+              <a:rPr lang="en-US" b="0" dirty="0" err="1">
+                <a:effectLst/>
+              </a:rPr>
+              <a:t>wilcox</a:t>
+            </a:r>
+            <a:r>
+              <a:rPr lang="en-US" b="0" dirty="0">
+                <a:effectLst/>
+              </a:rPr>
+              <a:t> test on distributions of CDR3 NT seqs/CDR3 AA for 2 groups</a:t>
+            </a:r>
+          </a:p>
+          <a:p>
+            <a:pPr marL="514350" indent="-514350">
+              <a:buFont typeface="+mj-lt"/>
+              <a:buAutoNum type="arabicPeriod"/>
+            </a:pPr>
+            <a:r>
+              <a:rPr lang="en-US" b="0" dirty="0">
+                <a:effectLst/>
+              </a:rPr>
+              <a:t>To plot histogram, normalize each group by sum of counts</a:t>
+            </a:r>
+          </a:p>
+          <a:p>
+            <a:pPr marL="514350" indent="-514350">
+              <a:buFont typeface="+mj-lt"/>
+              <a:buAutoNum type="arabicPeriod"/>
+            </a:pPr>
+            <a:endParaRPr lang="en-US" dirty="0"/>
           </a:p>
         </p:txBody>
       </p:sp>
     </p:spTree>
     <p:extLst>
       <p:ext uri="{BB962C8B-B14F-4D97-AF65-F5344CB8AC3E}">
-        <p14:creationId xmlns:p14="http://schemas.microsoft.com/office/powerpoint/2010/main" val="1005077637"/>
+        <p14:creationId xmlns:p14="http://schemas.microsoft.com/office/powerpoint/2010/main" val="41798994"/>
       </p:ext>
     </p:extLst>
   </p:cSld>
@@ -6572,48 +6814,203 @@
           <a:lstStyle/>
           <a:p>
             <a:r>
+              <a:rPr lang="en-US" b="1" dirty="0"/>
+              <a:t>Convergence might be higher in CD4 Ts in no </a:t>
+            </a:r>
+            <a:r>
+              <a:rPr lang="en-US" b="1" dirty="0" err="1"/>
+              <a:t>irAE</a:t>
+            </a:r>
+            <a:r>
+              <a:rPr lang="en-US" b="1" dirty="0"/>
+              <a:t> group?</a:t>
+            </a:r>
+          </a:p>
+        </p:txBody>
+      </p:sp>
+      <p:sp>
+        <p:nvSpPr>
+          <p:cNvPr id="5" name="TextBox 4">
+            <a:extLst>
+              <a:ext uri="{FF2B5EF4-FFF2-40B4-BE49-F238E27FC236}">
+                <a16:creationId xmlns:a16="http://schemas.microsoft.com/office/drawing/2014/main" id="{DA3333FF-7FC9-625A-54C7-3DD46FA3DB3B}"/>
+              </a:ext>
+            </a:extLst>
+          </p:cNvPr>
+          <p:cNvSpPr txBox="1"/>
+          <p:nvPr/>
+        </p:nvSpPr>
+        <p:spPr>
+          <a:xfrm>
+            <a:off x="1859280" y="1897658"/>
+            <a:ext cx="2296160" cy="369332"/>
+          </a:xfrm>
+          <a:prstGeom prst="rect">
+            <a:avLst/>
+          </a:prstGeom>
+          <a:noFill/>
+        </p:spPr>
+        <p:txBody>
+          <a:bodyPr wrap="square" rtlCol="0">
+            <a:spAutoFit/>
+          </a:bodyPr>
+          <a:lstStyle/>
+          <a:p>
+            <a:r>
               <a:rPr lang="en-US" dirty="0"/>
-              <a:t>Conclusions</a:t>
-            </a:r>
-          </a:p>
-        </p:txBody>
-      </p:sp>
-      <p:sp>
-        <p:nvSpPr>
-          <p:cNvPr id="3" name="Content Placeholder 2">
-            <a:extLst>
-              <a:ext uri="{FF2B5EF4-FFF2-40B4-BE49-F238E27FC236}">
-                <a16:creationId xmlns:a16="http://schemas.microsoft.com/office/drawing/2014/main" id="{B9501834-7B32-1ACA-4358-B630FB8EEC36}"/>
-              </a:ext>
-            </a:extLst>
-          </p:cNvPr>
-          <p:cNvSpPr>
-            <a:spLocks noGrp="1"/>
-          </p:cNvSpPr>
-          <p:nvPr>
-            <p:ph idx="1"/>
-          </p:nvPr>
-        </p:nvSpPr>
-        <p:spPr>
-          <a:xfrm>
-            <a:off x="838200" y="1919289"/>
-            <a:ext cx="10124440" cy="4878539"/>
-          </a:xfrm>
-        </p:spPr>
-        <p:txBody>
-          <a:bodyPr>
-            <a:normAutofit/>
+              <a:t>Myocarditis dataset</a:t>
+            </a:r>
+          </a:p>
+        </p:txBody>
+      </p:sp>
+      <p:sp>
+        <p:nvSpPr>
+          <p:cNvPr id="6" name="TextBox 5">
+            <a:extLst>
+              <a:ext uri="{FF2B5EF4-FFF2-40B4-BE49-F238E27FC236}">
+                <a16:creationId xmlns:a16="http://schemas.microsoft.com/office/drawing/2014/main" id="{5DC335F2-F2D2-828C-C37A-E24E13038A5E}"/>
+              </a:ext>
+            </a:extLst>
+          </p:cNvPr>
+          <p:cNvSpPr txBox="1"/>
+          <p:nvPr/>
+        </p:nvSpPr>
+        <p:spPr>
+          <a:xfrm>
+            <a:off x="3447795" y="6046595"/>
+            <a:ext cx="5488041" cy="646331"/>
+          </a:xfrm>
+          <a:prstGeom prst="rect">
+            <a:avLst/>
+          </a:prstGeom>
+          <a:noFill/>
+        </p:spPr>
+        <p:txBody>
+          <a:bodyPr wrap="none" rtlCol="0">
+            <a:spAutoFit/>
           </a:bodyPr>
           <a:lstStyle/>
           <a:p>
-            <a:endParaRPr lang="en-US" dirty="0"/>
-          </a:p>
-        </p:txBody>
-      </p:sp>
+            <a:r>
+              <a:rPr lang="en-US" dirty="0"/>
+              <a:t>Caveat:</a:t>
+            </a:r>
+          </a:p>
+          <a:p>
+            <a:r>
+              <a:rPr lang="en-US" dirty="0"/>
+              <a:t> - including both </a:t>
+            </a:r>
+            <a:r>
+              <a:rPr lang="en-US" dirty="0" err="1"/>
+              <a:t>intrapatient</a:t>
+            </a:r>
+            <a:r>
+              <a:rPr lang="en-US" dirty="0"/>
+              <a:t> &amp; interpatient convergence</a:t>
+            </a:r>
+          </a:p>
+        </p:txBody>
+      </p:sp>
+      <p:sp>
+        <p:nvSpPr>
+          <p:cNvPr id="9" name="TextBox 8">
+            <a:extLst>
+              <a:ext uri="{FF2B5EF4-FFF2-40B4-BE49-F238E27FC236}">
+                <a16:creationId xmlns:a16="http://schemas.microsoft.com/office/drawing/2014/main" id="{507DAEF8-ACAC-CDCE-83DB-BF54627A8045}"/>
+              </a:ext>
+            </a:extLst>
+          </p:cNvPr>
+          <p:cNvSpPr txBox="1"/>
+          <p:nvPr/>
+        </p:nvSpPr>
+        <p:spPr>
+          <a:xfrm>
+            <a:off x="7977153" y="1948458"/>
+            <a:ext cx="2296160" cy="369332"/>
+          </a:xfrm>
+          <a:prstGeom prst="rect">
+            <a:avLst/>
+          </a:prstGeom>
+          <a:noFill/>
+        </p:spPr>
+        <p:txBody>
+          <a:bodyPr wrap="square" rtlCol="0">
+            <a:spAutoFit/>
+          </a:bodyPr>
+          <a:lstStyle/>
+          <a:p>
+            <a:r>
+              <a:rPr lang="en-US" dirty="0"/>
+              <a:t>Colitis dataset</a:t>
+            </a:r>
+          </a:p>
+        </p:txBody>
+      </p:sp>
+      <p:pic>
+        <p:nvPicPr>
+          <p:cNvPr id="7" name="Picture 6">
+            <a:extLst>
+              <a:ext uri="{FF2B5EF4-FFF2-40B4-BE49-F238E27FC236}">
+                <a16:creationId xmlns:a16="http://schemas.microsoft.com/office/drawing/2014/main" id="{51432982-90EC-E0D3-C804-F3F35CC4EC5C}"/>
+              </a:ext>
+            </a:extLst>
+          </p:cNvPr>
+          <p:cNvPicPr>
+            <a:picLocks noChangeAspect="1"/>
+          </p:cNvPicPr>
+          <p:nvPr/>
+        </p:nvPicPr>
+        <p:blipFill>
+          <a:blip r:embed="rId3"/>
+          <a:stretch>
+            <a:fillRect/>
+          </a:stretch>
+        </p:blipFill>
+        <p:spPr>
+          <a:xfrm>
+            <a:off x="6096000" y="2402840"/>
+            <a:ext cx="5414492" cy="3365554"/>
+          </a:xfrm>
+          <a:prstGeom prst="rect">
+            <a:avLst/>
+          </a:prstGeom>
+        </p:spPr>
+      </p:pic>
+      <p:pic>
+        <p:nvPicPr>
+          <p:cNvPr id="8" name="Picture 7">
+            <a:extLst>
+              <a:ext uri="{FF2B5EF4-FFF2-40B4-BE49-F238E27FC236}">
+                <a16:creationId xmlns:a16="http://schemas.microsoft.com/office/drawing/2014/main" id="{3FF35383-8499-6C55-CEA1-3974B7060798}"/>
+              </a:ext>
+            </a:extLst>
+          </p:cNvPr>
+          <p:cNvPicPr>
+            <a:picLocks noChangeAspect="1"/>
+          </p:cNvPicPr>
+          <p:nvPr/>
+        </p:nvPicPr>
+        <p:blipFill>
+          <a:blip r:embed="rId4"/>
+          <a:stretch>
+            <a:fillRect/>
+          </a:stretch>
+        </p:blipFill>
+        <p:spPr>
+          <a:xfrm>
+            <a:off x="204753" y="2402840"/>
+            <a:ext cx="5655269" cy="3507905"/>
+          </a:xfrm>
+          <a:prstGeom prst="rect">
+            <a:avLst/>
+          </a:prstGeom>
+        </p:spPr>
+      </p:pic>
     </p:spTree>
     <p:extLst>
       <p:ext uri="{BB962C8B-B14F-4D97-AF65-F5344CB8AC3E}">
-        <p14:creationId xmlns:p14="http://schemas.microsoft.com/office/powerpoint/2010/main" val="2573542200"/>
+        <p14:creationId xmlns:p14="http://schemas.microsoft.com/office/powerpoint/2010/main" val="2124895016"/>
       </p:ext>
     </p:extLst>
   </p:cSld>
@@ -6659,7 +7056,7 @@
         <p:spPr>
           <a:xfrm>
             <a:off x="838200" y="593725"/>
-            <a:ext cx="3561080" cy="1325563"/>
+            <a:ext cx="10515600" cy="1325563"/>
           </a:xfrm>
         </p:spPr>
         <p:txBody>
@@ -6670,17 +7067,147 @@
           <a:p>
             <a:r>
               <a:rPr lang="en-US" dirty="0"/>
-              <a:t>Next steps</a:t>
-            </a:r>
-          </a:p>
-        </p:txBody>
-      </p:sp>
-      <p:sp>
-        <p:nvSpPr>
-          <p:cNvPr id="3" name="Content Placeholder 2">
-            <a:extLst>
-              <a:ext uri="{FF2B5EF4-FFF2-40B4-BE49-F238E27FC236}">
-                <a16:creationId xmlns:a16="http://schemas.microsoft.com/office/drawing/2014/main" id="{B9501834-7B32-1ACA-4358-B630FB8EEC36}"/>
+              <a:t>Given ability of rare clonotypes to drive disease, also looked into non-cumulative clonotype heatmaps</a:t>
+            </a:r>
+          </a:p>
+        </p:txBody>
+      </p:sp>
+      <p:sp>
+        <p:nvSpPr>
+          <p:cNvPr id="5" name="TextBox 4">
+            <a:extLst>
+              <a:ext uri="{FF2B5EF4-FFF2-40B4-BE49-F238E27FC236}">
+                <a16:creationId xmlns:a16="http://schemas.microsoft.com/office/drawing/2014/main" id="{DA3333FF-7FC9-625A-54C7-3DD46FA3DB3B}"/>
+              </a:ext>
+            </a:extLst>
+          </p:cNvPr>
+          <p:cNvSpPr txBox="1"/>
+          <p:nvPr/>
+        </p:nvSpPr>
+        <p:spPr>
+          <a:xfrm>
+            <a:off x="1859280" y="2527578"/>
+            <a:ext cx="2296160" cy="369332"/>
+          </a:xfrm>
+          <a:prstGeom prst="rect">
+            <a:avLst/>
+          </a:prstGeom>
+          <a:noFill/>
+        </p:spPr>
+        <p:txBody>
+          <a:bodyPr wrap="square" rtlCol="0">
+            <a:spAutoFit/>
+          </a:bodyPr>
+          <a:lstStyle/>
+          <a:p>
+            <a:r>
+              <a:rPr lang="en-US" dirty="0"/>
+              <a:t>Myocarditis dataset</a:t>
+            </a:r>
+          </a:p>
+        </p:txBody>
+      </p:sp>
+      <p:pic>
+        <p:nvPicPr>
+          <p:cNvPr id="7" name="Picture 6">
+            <a:extLst>
+              <a:ext uri="{FF2B5EF4-FFF2-40B4-BE49-F238E27FC236}">
+                <a16:creationId xmlns:a16="http://schemas.microsoft.com/office/drawing/2014/main" id="{34F2BFEF-1D4C-376D-81A2-CB5173EBC48F}"/>
+              </a:ext>
+            </a:extLst>
+          </p:cNvPr>
+          <p:cNvPicPr>
+            <a:picLocks noChangeAspect="1"/>
+          </p:cNvPicPr>
+          <p:nvPr/>
+        </p:nvPicPr>
+        <p:blipFill>
+          <a:blip r:embed="rId3"/>
+          <a:stretch>
+            <a:fillRect/>
+          </a:stretch>
+        </p:blipFill>
+        <p:spPr>
+          <a:xfrm>
+            <a:off x="0" y="2883842"/>
+            <a:ext cx="5842000" cy="3599452"/>
+          </a:xfrm>
+          <a:prstGeom prst="rect">
+            <a:avLst/>
+          </a:prstGeom>
+        </p:spPr>
+      </p:pic>
+      <p:pic>
+        <p:nvPicPr>
+          <p:cNvPr id="3" name="Picture 2">
+            <a:extLst>
+              <a:ext uri="{FF2B5EF4-FFF2-40B4-BE49-F238E27FC236}">
+                <a16:creationId xmlns:a16="http://schemas.microsoft.com/office/drawing/2014/main" id="{D0D92938-1A29-78AE-C397-7E0423532E3C}"/>
+              </a:ext>
+            </a:extLst>
+          </p:cNvPr>
+          <p:cNvPicPr>
+            <a:picLocks noChangeAspect="1"/>
+          </p:cNvPicPr>
+          <p:nvPr/>
+        </p:nvPicPr>
+        <p:blipFill>
+          <a:blip r:embed="rId4"/>
+          <a:stretch>
+            <a:fillRect/>
+          </a:stretch>
+        </p:blipFill>
+        <p:spPr>
+          <a:xfrm>
+            <a:off x="6121784" y="2883842"/>
+            <a:ext cx="5908067" cy="3599452"/>
+          </a:xfrm>
+          <a:prstGeom prst="rect">
+            <a:avLst/>
+          </a:prstGeom>
+        </p:spPr>
+      </p:pic>
+      <p:sp>
+        <p:nvSpPr>
+          <p:cNvPr id="8" name="TextBox 7">
+            <a:extLst>
+              <a:ext uri="{FF2B5EF4-FFF2-40B4-BE49-F238E27FC236}">
+                <a16:creationId xmlns:a16="http://schemas.microsoft.com/office/drawing/2014/main" id="{5A10C4CE-FDD1-7463-29A8-65E4EEB1F3A1}"/>
+              </a:ext>
+            </a:extLst>
+          </p:cNvPr>
+          <p:cNvSpPr txBox="1"/>
+          <p:nvPr/>
+        </p:nvSpPr>
+        <p:spPr>
+          <a:xfrm>
+            <a:off x="8008812" y="2538447"/>
+            <a:ext cx="2296160" cy="369332"/>
+          </a:xfrm>
+          <a:prstGeom prst="rect">
+            <a:avLst/>
+          </a:prstGeom>
+          <a:noFill/>
+        </p:spPr>
+        <p:txBody>
+          <a:bodyPr wrap="square" rtlCol="0">
+            <a:spAutoFit/>
+          </a:bodyPr>
+          <a:lstStyle/>
+          <a:p>
+            <a:r>
+              <a:rPr lang="en-US" dirty="0"/>
+              <a:t>Colitis dataset</a:t>
+            </a:r>
+          </a:p>
+        </p:txBody>
+      </p:sp>
+      <p:sp>
+        <p:nvSpPr>
+          <p:cNvPr id="9" name="Content Placeholder 2">
+            <a:extLst>
+              <a:ext uri="{FF2B5EF4-FFF2-40B4-BE49-F238E27FC236}">
+                <a16:creationId xmlns:a16="http://schemas.microsoft.com/office/drawing/2014/main" id="{BF67597C-A32B-4AC9-613A-289A11D28AB0}"/>
               </a:ext>
             </a:extLst>
           </p:cNvPr>
@@ -6694,7 +7221,215 @@
         <p:spPr>
           <a:xfrm>
             <a:off x="838200" y="1919289"/>
-            <a:ext cx="10215880" cy="4623402"/>
+            <a:ext cx="10124440" cy="760689"/>
+          </a:xfrm>
+        </p:spPr>
+        <p:txBody>
+          <a:bodyPr>
+            <a:normAutofit fontScale="77500" lnSpcReduction="20000"/>
+          </a:bodyPr>
+          <a:lstStyle/>
+          <a:p>
+            <a:r>
+              <a:rPr lang="en-US" dirty="0"/>
+              <a:t>CD4s in myocarditis dataset (normalized by clonotype depth) have some feature differences (</a:t>
+            </a:r>
+            <a:r>
+              <a:rPr lang="en-US" dirty="0" err="1"/>
+              <a:t>padj</a:t>
+            </a:r>
+            <a:r>
+              <a:rPr lang="en-US" dirty="0"/>
+              <a:t>), not recapitulated if </a:t>
+            </a:r>
+            <a:r>
+              <a:rPr lang="en-US" dirty="0" err="1"/>
+              <a:t>downsampled</a:t>
+            </a:r>
+            <a:r>
+              <a:rPr lang="en-US" dirty="0"/>
+              <a:t> or in colitis dataset</a:t>
+            </a:r>
+          </a:p>
+        </p:txBody>
+      </p:sp>
+      <p:sp>
+        <p:nvSpPr>
+          <p:cNvPr id="10" name="TextBox 9">
+            <a:extLst>
+              <a:ext uri="{FF2B5EF4-FFF2-40B4-BE49-F238E27FC236}">
+                <a16:creationId xmlns:a16="http://schemas.microsoft.com/office/drawing/2014/main" id="{670760CA-5905-4A68-CF53-F8EBDDAFBE9D}"/>
+              </a:ext>
+            </a:extLst>
+          </p:cNvPr>
+          <p:cNvSpPr txBox="1"/>
+          <p:nvPr/>
+        </p:nvSpPr>
+        <p:spPr>
+          <a:xfrm>
+            <a:off x="71120" y="6317826"/>
+            <a:ext cx="4084320" cy="369332"/>
+          </a:xfrm>
+          <a:prstGeom prst="rect">
+            <a:avLst/>
+          </a:prstGeom>
+          <a:noFill/>
+        </p:spPr>
+        <p:txBody>
+          <a:bodyPr wrap="square" rtlCol="0">
+            <a:spAutoFit/>
+          </a:bodyPr>
+          <a:lstStyle/>
+          <a:p>
+            <a:r>
+              <a:rPr lang="en-US" dirty="0">
+                <a:sym typeface="Wingdings" pitchFamily="2" charset="2"/>
+              </a:rPr>
+              <a:t> </a:t>
+            </a:r>
+            <a:r>
+              <a:rPr lang="en-US" dirty="0"/>
+              <a:t>Increasing clonotype abundance</a:t>
+            </a:r>
+          </a:p>
+        </p:txBody>
+      </p:sp>
+      <p:sp>
+        <p:nvSpPr>
+          <p:cNvPr id="11" name="TextBox 10">
+            <a:extLst>
+              <a:ext uri="{FF2B5EF4-FFF2-40B4-BE49-F238E27FC236}">
+                <a16:creationId xmlns:a16="http://schemas.microsoft.com/office/drawing/2014/main" id="{D83B00FC-695D-3221-7B14-555153168B0C}"/>
+              </a:ext>
+            </a:extLst>
+          </p:cNvPr>
+          <p:cNvSpPr txBox="1"/>
+          <p:nvPr/>
+        </p:nvSpPr>
+        <p:spPr>
+          <a:xfrm>
+            <a:off x="5900420" y="6317826"/>
+            <a:ext cx="4084320" cy="369332"/>
+          </a:xfrm>
+          <a:prstGeom prst="rect">
+            <a:avLst/>
+          </a:prstGeom>
+          <a:noFill/>
+        </p:spPr>
+        <p:txBody>
+          <a:bodyPr wrap="square" rtlCol="0">
+            <a:spAutoFit/>
+          </a:bodyPr>
+          <a:lstStyle/>
+          <a:p>
+            <a:r>
+              <a:rPr lang="en-US" dirty="0">
+                <a:sym typeface="Wingdings" pitchFamily="2" charset="2"/>
+              </a:rPr>
+              <a:t> </a:t>
+            </a:r>
+            <a:r>
+              <a:rPr lang="en-US" dirty="0"/>
+              <a:t>Increasing clonotype abundance</a:t>
+            </a:r>
+          </a:p>
+        </p:txBody>
+      </p:sp>
+      <p:sp>
+        <p:nvSpPr>
+          <p:cNvPr id="12" name="TextBox 11">
+            <a:extLst>
+              <a:ext uri="{FF2B5EF4-FFF2-40B4-BE49-F238E27FC236}">
+                <a16:creationId xmlns:a16="http://schemas.microsoft.com/office/drawing/2014/main" id="{310E4D3C-4090-8D69-3A83-214DA12C797C}"/>
+              </a:ext>
+            </a:extLst>
+          </p:cNvPr>
+          <p:cNvSpPr txBox="1"/>
+          <p:nvPr/>
+        </p:nvSpPr>
+        <p:spPr>
+          <a:xfrm>
+            <a:off x="3579987" y="6483294"/>
+            <a:ext cx="7382653" cy="369332"/>
+          </a:xfrm>
+          <a:prstGeom prst="rect">
+            <a:avLst/>
+          </a:prstGeom>
+          <a:noFill/>
+        </p:spPr>
+        <p:txBody>
+          <a:bodyPr wrap="square" rtlCol="0">
+            <a:spAutoFit/>
+          </a:bodyPr>
+          <a:lstStyle/>
+          <a:p>
+            <a:r>
+              <a:rPr lang="en-US" sz="1800" dirty="0">
+                <a:effectLst/>
+                <a:ea typeface="Calibri" panose="020F0502020204030204" pitchFamily="34" charset="0"/>
+                <a:cs typeface="Times New Roman" panose="02020603050405020304" pitchFamily="18" charset="0"/>
+              </a:rPr>
+              <a:t>**, p &lt;1e-2; *; p &lt;0.05</a:t>
+            </a:r>
+            <a:endParaRPr lang="en-US" sz="1800" b="0" i="0" u="none" strike="noStrike" dirty="0">
+              <a:solidFill>
+                <a:srgbClr val="212121"/>
+              </a:solidFill>
+              <a:effectLst/>
+            </a:endParaRPr>
+          </a:p>
+        </p:txBody>
+      </p:sp>
+    </p:spTree>
+    <p:extLst>
+      <p:ext uri="{BB962C8B-B14F-4D97-AF65-F5344CB8AC3E}">
+        <p14:creationId xmlns:p14="http://schemas.microsoft.com/office/powerpoint/2010/main" val="1005077637"/>
+      </p:ext>
+    </p:extLst>
+  </p:cSld>
+  <p:clrMapOvr>
+    <a:masterClrMapping/>
+  </p:clrMapOvr>
+</p:sld>
+</file>
+
+<file path=ppt/slides/slide9.xml><?xml version="1.0" encoding="utf-8"?>
+<p:sld xmlns:a="http://schemas.openxmlformats.org/drawingml/2006/main" xmlns:r="http://schemas.openxmlformats.org/officeDocument/2006/relationships" xmlns:p="http://schemas.openxmlformats.org/presentationml/2006/main">
+  <p:cSld>
+    <p:spTree>
+      <p:nvGrpSpPr>
+        <p:cNvPr id="1" name=""/>
+        <p:cNvGrpSpPr/>
+        <p:nvPr/>
+      </p:nvGrpSpPr>
+      <p:grpSpPr>
+        <a:xfrm>
+          <a:off x="0" y="0"/>
+          <a:ext cx="0" cy="0"/>
+          <a:chOff x="0" y="0"/>
+          <a:chExt cx="0" cy="0"/>
+        </a:xfrm>
+      </p:grpSpPr>
+      <p:sp>
+        <p:nvSpPr>
+          <p:cNvPr id="2" name="Title 1">
+            <a:extLst>
+              <a:ext uri="{FF2B5EF4-FFF2-40B4-BE49-F238E27FC236}">
+                <a16:creationId xmlns:a16="http://schemas.microsoft.com/office/drawing/2014/main" id="{70A4C97D-8F21-3D3B-6A90-EA7145324964}"/>
+              </a:ext>
+            </a:extLst>
+          </p:cNvPr>
+          <p:cNvSpPr>
+            <a:spLocks noGrp="1"/>
+          </p:cNvSpPr>
+          <p:nvPr>
+            <p:ph type="title"/>
+          </p:nvPr>
+        </p:nvSpPr>
+        <p:spPr>
+          <a:xfrm>
+            <a:off x="838200" y="593725"/>
+            <a:ext cx="10515600" cy="1325563"/>
           </a:xfrm>
         </p:spPr>
         <p:txBody>
@@ -6703,6 +7438,41 @@
           </a:bodyPr>
           <a:lstStyle/>
           <a:p>
+            <a:r>
+              <a:rPr lang="en-US" dirty="0"/>
+              <a:t>Conclusions</a:t>
+            </a:r>
+          </a:p>
+        </p:txBody>
+      </p:sp>
+      <p:sp>
+        <p:nvSpPr>
+          <p:cNvPr id="3" name="Content Placeholder 2">
+            <a:extLst>
+              <a:ext uri="{FF2B5EF4-FFF2-40B4-BE49-F238E27FC236}">
+                <a16:creationId xmlns:a16="http://schemas.microsoft.com/office/drawing/2014/main" id="{B9501834-7B32-1ACA-4358-B630FB8EEC36}"/>
+              </a:ext>
+            </a:extLst>
+          </p:cNvPr>
+          <p:cNvSpPr>
+            <a:spLocks noGrp="1"/>
+          </p:cNvSpPr>
+          <p:nvPr>
+            <p:ph idx="1"/>
+          </p:nvPr>
+        </p:nvSpPr>
+        <p:spPr>
+          <a:xfrm>
+            <a:off x="838200" y="1919289"/>
+            <a:ext cx="10124440" cy="4878539"/>
+          </a:xfrm>
+        </p:spPr>
+        <p:txBody>
+          <a:bodyPr>
+            <a:normAutofit/>
+          </a:bodyPr>
+          <a:lstStyle/>
+          <a:p>
             <a:endParaRPr lang="en-US" dirty="0"/>
           </a:p>
         </p:txBody>
@@ -6710,7 +7480,7 @@
     </p:spTree>
     <p:extLst>
       <p:ext uri="{BB962C8B-B14F-4D97-AF65-F5344CB8AC3E}">
-        <p14:creationId xmlns:p14="http://schemas.microsoft.com/office/powerpoint/2010/main" val="1759230395"/>
+        <p14:creationId xmlns:p14="http://schemas.microsoft.com/office/powerpoint/2010/main" val="3586049552"/>
       </p:ext>
     </p:extLst>
   </p:cSld>

--- a/linsley_postdoc/presentations/weekly_meetings/1_18_24.pptx
+++ b/linsley_postdoc/presentations/weekly_meetings/1_18_24.pptx
@@ -217,7 +217,7 @@
           <a:p>
             <a:fld id="{E933A773-0DCE-3544-BB67-D5FA58DF903C}" type="datetimeFigureOut">
               <a:rPr lang="en-US" smtClean="0"/>
-              <a:t>1/13/24</a:t>
+              <a:t>1/14/24</a:t>
             </a:fld>
             <a:endParaRPr lang="en-US"/>
           </a:p>
@@ -1900,7 +1900,7 @@
           <a:p>
             <a:fld id="{80FC6068-BAFB-FC44-B9D8-F4B3BB105DE6}" type="datetimeFigureOut">
               <a:rPr lang="en-US" smtClean="0"/>
-              <a:t>1/13/24</a:t>
+              <a:t>1/14/24</a:t>
             </a:fld>
             <a:endParaRPr lang="en-US"/>
           </a:p>
@@ -2098,7 +2098,7 @@
           <a:p>
             <a:fld id="{80FC6068-BAFB-FC44-B9D8-F4B3BB105DE6}" type="datetimeFigureOut">
               <a:rPr lang="en-US" smtClean="0"/>
-              <a:t>1/13/24</a:t>
+              <a:t>1/14/24</a:t>
             </a:fld>
             <a:endParaRPr lang="en-US"/>
           </a:p>
@@ -2306,7 +2306,7 @@
           <a:p>
             <a:fld id="{80FC6068-BAFB-FC44-B9D8-F4B3BB105DE6}" type="datetimeFigureOut">
               <a:rPr lang="en-US" smtClean="0"/>
-              <a:t>1/13/24</a:t>
+              <a:t>1/14/24</a:t>
             </a:fld>
             <a:endParaRPr lang="en-US"/>
           </a:p>
@@ -2510,7 +2510,7 @@
           <a:p>
             <a:fld id="{80FC6068-BAFB-FC44-B9D8-F4B3BB105DE6}" type="datetimeFigureOut">
               <a:rPr lang="en-US" smtClean="0"/>
-              <a:t>1/13/24</a:t>
+              <a:t>1/14/24</a:t>
             </a:fld>
             <a:endParaRPr lang="en-US"/>
           </a:p>
@@ -2801,7 +2801,7 @@
           <a:p>
             <a:fld id="{80FC6068-BAFB-FC44-B9D8-F4B3BB105DE6}" type="datetimeFigureOut">
               <a:rPr lang="en-US" smtClean="0"/>
-              <a:t>1/13/24</a:t>
+              <a:t>1/14/24</a:t>
             </a:fld>
             <a:endParaRPr lang="en-US"/>
           </a:p>
@@ -3066,7 +3066,7 @@
           <a:p>
             <a:fld id="{80FC6068-BAFB-FC44-B9D8-F4B3BB105DE6}" type="datetimeFigureOut">
               <a:rPr lang="en-US" smtClean="0"/>
-              <a:t>1/13/24</a:t>
+              <a:t>1/14/24</a:t>
             </a:fld>
             <a:endParaRPr lang="en-US"/>
           </a:p>
@@ -3478,7 +3478,7 @@
           <a:p>
             <a:fld id="{80FC6068-BAFB-FC44-B9D8-F4B3BB105DE6}" type="datetimeFigureOut">
               <a:rPr lang="en-US" smtClean="0"/>
-              <a:t>1/13/24</a:t>
+              <a:t>1/14/24</a:t>
             </a:fld>
             <a:endParaRPr lang="en-US"/>
           </a:p>
@@ -3619,7 +3619,7 @@
           <a:p>
             <a:fld id="{80FC6068-BAFB-FC44-B9D8-F4B3BB105DE6}" type="datetimeFigureOut">
               <a:rPr lang="en-US" smtClean="0"/>
-              <a:t>1/13/24</a:t>
+              <a:t>1/14/24</a:t>
             </a:fld>
             <a:endParaRPr lang="en-US"/>
           </a:p>
@@ -3732,7 +3732,7 @@
           <a:p>
             <a:fld id="{80FC6068-BAFB-FC44-B9D8-F4B3BB105DE6}" type="datetimeFigureOut">
               <a:rPr lang="en-US" smtClean="0"/>
-              <a:t>1/13/24</a:t>
+              <a:t>1/14/24</a:t>
             </a:fld>
             <a:endParaRPr lang="en-US"/>
           </a:p>
@@ -4043,7 +4043,7 @@
           <a:p>
             <a:fld id="{80FC6068-BAFB-FC44-B9D8-F4B3BB105DE6}" type="datetimeFigureOut">
               <a:rPr lang="en-US" smtClean="0"/>
-              <a:t>1/13/24</a:t>
+              <a:t>1/14/24</a:t>
             </a:fld>
             <a:endParaRPr lang="en-US"/>
           </a:p>
@@ -4331,7 +4331,7 @@
           <a:p>
             <a:fld id="{80FC6068-BAFB-FC44-B9D8-F4B3BB105DE6}" type="datetimeFigureOut">
               <a:rPr lang="en-US" smtClean="0"/>
-              <a:t>1/13/24</a:t>
+              <a:t>1/14/24</a:t>
             </a:fld>
             <a:endParaRPr lang="en-US"/>
           </a:p>
@@ -4572,7 +4572,7 @@
           <a:p>
             <a:fld id="{80FC6068-BAFB-FC44-B9D8-F4B3BB105DE6}" type="datetimeFigureOut">
               <a:rPr lang="en-US" smtClean="0"/>
-              <a:t>1/13/24</a:t>
+              <a:t>1/14/24</a:t>
             </a:fld>
             <a:endParaRPr lang="en-US"/>
           </a:p>
@@ -5994,7 +5994,7 @@
           <a:p>
             <a:r>
               <a:rPr lang="en-US" dirty="0"/>
-              <a:t>In colitis dataset, junctions of CD4 proliferating cells mostly shared with…</a:t>
+              <a:t>In colitis dataset, junctions of CD4 proliferating cells mostly shared with CD4 TCM, CD8 TEM, CD8 Naïve cells</a:t>
             </a:r>
           </a:p>
         </p:txBody>
@@ -6021,8 +6021,8 @@
         </p:blipFill>
         <p:spPr>
           <a:xfrm>
-            <a:off x="0" y="2640059"/>
-            <a:ext cx="6050030" cy="3846028"/>
+            <a:off x="652690" y="2019274"/>
+            <a:ext cx="4435165" cy="2819452"/>
           </a:xfrm>
           <a:prstGeom prst="rect">
             <a:avLst/>
@@ -6043,7 +6043,7 @@
         </p:nvSpPr>
         <p:spPr>
           <a:xfrm>
-            <a:off x="2353901" y="2270727"/>
+            <a:off x="2353901" y="1676514"/>
             <a:ext cx="554960" cy="369332"/>
           </a:xfrm>
           <a:prstGeom prst="rect">
@@ -6086,8 +6086,8 @@
         </p:blipFill>
         <p:spPr>
           <a:xfrm>
-            <a:off x="5994148" y="2640059"/>
-            <a:ext cx="6197852" cy="3846028"/>
+            <a:off x="6311678" y="2019274"/>
+            <a:ext cx="4543530" cy="2819452"/>
           </a:xfrm>
           <a:prstGeom prst="rect">
             <a:avLst/>
@@ -6108,7 +6108,7 @@
         </p:nvSpPr>
         <p:spPr>
           <a:xfrm>
-            <a:off x="8255060" y="2270727"/>
+            <a:off x="8255060" y="1676514"/>
             <a:ext cx="554960" cy="369332"/>
           </a:xfrm>
           <a:prstGeom prst="rect">
@@ -6125,45 +6125,6 @@
             <a:r>
               <a:rPr lang="en-US" dirty="0"/>
               <a:t>TRB</a:t>
-            </a:r>
-          </a:p>
-        </p:txBody>
-      </p:sp>
-      <p:sp>
-        <p:nvSpPr>
-          <p:cNvPr id="9" name="TextBox 8">
-            <a:extLst>
-              <a:ext uri="{FF2B5EF4-FFF2-40B4-BE49-F238E27FC236}">
-                <a16:creationId xmlns:a16="http://schemas.microsoft.com/office/drawing/2014/main" id="{5F2BB90B-CAB4-DE8B-1B7A-F491E33F9439}"/>
-              </a:ext>
-            </a:extLst>
-          </p:cNvPr>
-          <p:cNvSpPr txBox="1"/>
-          <p:nvPr/>
-        </p:nvSpPr>
-        <p:spPr>
-          <a:xfrm>
-            <a:off x="3226279" y="6460208"/>
-            <a:ext cx="5203925" cy="369332"/>
-          </a:xfrm>
-          <a:prstGeom prst="rect">
-            <a:avLst/>
-          </a:prstGeom>
-          <a:noFill/>
-        </p:spPr>
-        <p:txBody>
-          <a:bodyPr wrap="none" rtlCol="0">
-            <a:spAutoFit/>
-          </a:bodyPr>
-          <a:lstStyle/>
-          <a:p>
-            <a:r>
-              <a:rPr lang="en-US" dirty="0" err="1"/>
-              <a:t>Downsampled</a:t>
-            </a:r>
-            <a:r>
-              <a:rPr lang="en-US" dirty="0"/>
-              <a:t> linkages to 1500 (crashed R otherwise)</a:t>
             </a:r>
           </a:p>
         </p:txBody>
@@ -6190,8 +6151,8 @@
         </p:blipFill>
         <p:spPr>
           <a:xfrm>
-            <a:off x="564317" y="4447055"/>
-            <a:ext cx="3887187" cy="2197819"/>
+            <a:off x="349293" y="4826527"/>
+            <a:ext cx="3592979" cy="2031474"/>
           </a:xfrm>
           <a:prstGeom prst="rect">
             <a:avLst/>
@@ -6220,14 +6181,55 @@
         </p:blipFill>
         <p:spPr>
           <a:xfrm>
-            <a:off x="6614347" y="4217942"/>
-            <a:ext cx="4076517" cy="2271449"/>
+            <a:off x="7841481" y="4758470"/>
+            <a:ext cx="3767978" cy="2099530"/>
           </a:xfrm>
           <a:prstGeom prst="rect">
             <a:avLst/>
           </a:prstGeom>
         </p:spPr>
       </p:pic>
+      <p:sp>
+        <p:nvSpPr>
+          <p:cNvPr id="3" name="TextBox 2">
+            <a:extLst>
+              <a:ext uri="{FF2B5EF4-FFF2-40B4-BE49-F238E27FC236}">
+                <a16:creationId xmlns:a16="http://schemas.microsoft.com/office/drawing/2014/main" id="{59212FDE-E8CF-45B9-0E3D-5454A3063D90}"/>
+              </a:ext>
+            </a:extLst>
+          </p:cNvPr>
+          <p:cNvSpPr txBox="1"/>
+          <p:nvPr/>
+        </p:nvSpPr>
+        <p:spPr>
+          <a:xfrm>
+            <a:off x="4339087" y="5941109"/>
+            <a:ext cx="2870273" cy="646331"/>
+          </a:xfrm>
+          <a:prstGeom prst="rect">
+            <a:avLst/>
+          </a:prstGeom>
+          <a:noFill/>
+        </p:spPr>
+        <p:txBody>
+          <a:bodyPr wrap="none" rtlCol="0">
+            <a:spAutoFit/>
+          </a:bodyPr>
+          <a:lstStyle/>
+          <a:p>
+            <a:r>
+              <a:rPr lang="en-US" dirty="0"/>
+              <a:t>Chose 1500 random linkages</a:t>
+            </a:r>
+          </a:p>
+          <a:p>
+            <a:r>
+              <a:rPr lang="en-US" dirty="0"/>
+              <a:t>to plot (memory limit)</a:t>
+            </a:r>
+          </a:p>
+        </p:txBody>
+      </p:sp>
     </p:spTree>
     <p:extLst>
       <p:ext uri="{BB962C8B-B14F-4D97-AF65-F5344CB8AC3E}">
@@ -6282,13 +6284,13 @@
         </p:spPr>
         <p:txBody>
           <a:bodyPr>
-            <a:normAutofit/>
+            <a:normAutofit fontScale="90000"/>
           </a:bodyPr>
           <a:lstStyle/>
           <a:p>
             <a:r>
               <a:rPr lang="en-US" dirty="0"/>
-              <a:t>In colitis dataset, junctions of CD8 naive cells mostly shared with…</a:t>
+              <a:t>In colitis dataset, junctions of CD8 naive cells mostly shared with CD8 TEMs, themselves, CD8 proliferating cells</a:t>
             </a:r>
           </a:p>
         </p:txBody>
@@ -6377,8 +6379,8 @@
         </p:nvSpPr>
         <p:spPr>
           <a:xfrm>
-            <a:off x="3226279" y="6460208"/>
-            <a:ext cx="5203925" cy="369332"/>
+            <a:off x="4339087" y="5941109"/>
+            <a:ext cx="2870273" cy="646331"/>
           </a:xfrm>
           <a:prstGeom prst="rect">
             <a:avLst/>
@@ -6392,22 +6394,24 @@
           <a:lstStyle/>
           <a:p>
             <a:r>
-              <a:rPr lang="en-US" dirty="0" err="1"/>
-              <a:t>Downsampled</a:t>
-            </a:r>
-            <a:r>
               <a:rPr lang="en-US" dirty="0"/>
-              <a:t> linkages to 1500 (crashed R otherwise)</a:t>
+              <a:t>Chose 1500 random linkages</a:t>
+            </a:r>
+          </a:p>
+          <a:p>
+            <a:r>
+              <a:rPr lang="en-US" dirty="0"/>
+              <a:t>to plot (memory limit)</a:t>
             </a:r>
           </a:p>
         </p:txBody>
       </p:sp>
       <p:pic>
         <p:nvPicPr>
-          <p:cNvPr id="10" name="Picture 9">
-            <a:extLst>
-              <a:ext uri="{FF2B5EF4-FFF2-40B4-BE49-F238E27FC236}">
-                <a16:creationId xmlns:a16="http://schemas.microsoft.com/office/drawing/2014/main" id="{DDA2D948-7ED7-75E9-4FAA-61F673C72F29}"/>
+          <p:cNvPr id="4" name="Picture 3">
+            <a:extLst>
+              <a:ext uri="{FF2B5EF4-FFF2-40B4-BE49-F238E27FC236}">
+                <a16:creationId xmlns:a16="http://schemas.microsoft.com/office/drawing/2014/main" id="{CE885C88-96C8-2B03-1B67-147A40CBA173}"/>
               </a:ext>
             </a:extLst>
           </p:cNvPr>
@@ -6424,8 +6428,8 @@
         </p:blipFill>
         <p:spPr>
           <a:xfrm>
-            <a:off x="60385" y="2755749"/>
-            <a:ext cx="5961595" cy="3704459"/>
+            <a:off x="60903" y="4690203"/>
+            <a:ext cx="3740390" cy="2116171"/>
           </a:xfrm>
           <a:prstGeom prst="rect">
             <a:avLst/>
@@ -6434,10 +6438,10 @@
       </p:pic>
       <p:pic>
         <p:nvPicPr>
-          <p:cNvPr id="3" name="Picture 2">
-            <a:extLst>
-              <a:ext uri="{FF2B5EF4-FFF2-40B4-BE49-F238E27FC236}">
-                <a16:creationId xmlns:a16="http://schemas.microsoft.com/office/drawing/2014/main" id="{05A2B630-4B06-9F45-666F-55EE6B7B8796}"/>
+          <p:cNvPr id="12" name="Picture 11">
+            <a:extLst>
+              <a:ext uri="{FF2B5EF4-FFF2-40B4-BE49-F238E27FC236}">
+                <a16:creationId xmlns:a16="http://schemas.microsoft.com/office/drawing/2014/main" id="{D2C5F328-9B4A-BE07-C206-553B0E37D4F7}"/>
               </a:ext>
             </a:extLst>
           </p:cNvPr>
@@ -6454,20 +6458,90 @@
         </p:blipFill>
         <p:spPr>
           <a:xfrm>
-            <a:off x="5931305" y="2727389"/>
-            <a:ext cx="5961595" cy="3761178"/>
+            <a:off x="8430204" y="4720196"/>
+            <a:ext cx="3742723" cy="2056187"/>
           </a:xfrm>
           <a:prstGeom prst="rect">
             <a:avLst/>
           </a:prstGeom>
         </p:spPr>
       </p:pic>
+      <p:sp>
+        <p:nvSpPr>
+          <p:cNvPr id="11" name="TextBox 10">
+            <a:extLst>
+              <a:ext uri="{FF2B5EF4-FFF2-40B4-BE49-F238E27FC236}">
+                <a16:creationId xmlns:a16="http://schemas.microsoft.com/office/drawing/2014/main" id="{4F64B2C6-0909-95E1-8AAF-2FC4431B4CDC}"/>
+              </a:ext>
+            </a:extLst>
+          </p:cNvPr>
+          <p:cNvSpPr txBox="1"/>
+          <p:nvPr/>
+        </p:nvSpPr>
+        <p:spPr>
+          <a:xfrm>
+            <a:off x="2332420" y="1667459"/>
+            <a:ext cx="554960" cy="369332"/>
+          </a:xfrm>
+          <a:prstGeom prst="rect">
+            <a:avLst/>
+          </a:prstGeom>
+          <a:noFill/>
+        </p:spPr>
+        <p:txBody>
+          <a:bodyPr wrap="square" rtlCol="0">
+            <a:spAutoFit/>
+          </a:bodyPr>
+          <a:lstStyle/>
+          <a:p>
+            <a:r>
+              <a:rPr lang="en-US" dirty="0"/>
+              <a:t>TRA</a:t>
+            </a:r>
+          </a:p>
+        </p:txBody>
+      </p:sp>
+      <p:sp>
+        <p:nvSpPr>
+          <p:cNvPr id="13" name="TextBox 12">
+            <a:extLst>
+              <a:ext uri="{FF2B5EF4-FFF2-40B4-BE49-F238E27FC236}">
+                <a16:creationId xmlns:a16="http://schemas.microsoft.com/office/drawing/2014/main" id="{BFBAE360-9A20-9F23-2E54-7B8657494657}"/>
+              </a:ext>
+            </a:extLst>
+          </p:cNvPr>
+          <p:cNvSpPr txBox="1"/>
+          <p:nvPr/>
+        </p:nvSpPr>
+        <p:spPr>
+          <a:xfrm>
+            <a:off x="8233579" y="1667459"/>
+            <a:ext cx="554960" cy="369332"/>
+          </a:xfrm>
+          <a:prstGeom prst="rect">
+            <a:avLst/>
+          </a:prstGeom>
+          <a:noFill/>
+        </p:spPr>
+        <p:txBody>
+          <a:bodyPr wrap="square" rtlCol="0">
+            <a:spAutoFit/>
+          </a:bodyPr>
+          <a:lstStyle/>
+          <a:p>
+            <a:r>
+              <a:rPr lang="en-US" dirty="0"/>
+              <a:t>TRB</a:t>
+            </a:r>
+          </a:p>
+        </p:txBody>
+      </p:sp>
       <p:pic>
         <p:nvPicPr>
-          <p:cNvPr id="4" name="Picture 3">
-            <a:extLst>
-              <a:ext uri="{FF2B5EF4-FFF2-40B4-BE49-F238E27FC236}">
-                <a16:creationId xmlns:a16="http://schemas.microsoft.com/office/drawing/2014/main" id="{CE885C88-96C8-2B03-1B67-147A40CBA173}"/>
+          <p:cNvPr id="14" name="Picture 13">
+            <a:extLst>
+              <a:ext uri="{FF2B5EF4-FFF2-40B4-BE49-F238E27FC236}">
+                <a16:creationId xmlns:a16="http://schemas.microsoft.com/office/drawing/2014/main" id="{99CFC7A6-9C01-A576-A6E1-5EA1047AF3F3}"/>
               </a:ext>
             </a:extLst>
           </p:cNvPr>
@@ -6484,8 +6558,8 @@
         </p:blipFill>
         <p:spPr>
           <a:xfrm>
-            <a:off x="483706" y="4228347"/>
-            <a:ext cx="3740390" cy="2116171"/>
+            <a:off x="765569" y="1964871"/>
+            <a:ext cx="4286583" cy="2749883"/>
           </a:xfrm>
           <a:prstGeom prst="rect">
             <a:avLst/>
@@ -6494,10 +6568,10 @@
       </p:pic>
       <p:pic>
         <p:nvPicPr>
-          <p:cNvPr id="12" name="Picture 11">
-            <a:extLst>
-              <a:ext uri="{FF2B5EF4-FFF2-40B4-BE49-F238E27FC236}">
-                <a16:creationId xmlns:a16="http://schemas.microsoft.com/office/drawing/2014/main" id="{D2C5F328-9B4A-BE07-C206-553B0E37D4F7}"/>
+          <p:cNvPr id="15" name="Picture 14">
+            <a:extLst>
+              <a:ext uri="{FF2B5EF4-FFF2-40B4-BE49-F238E27FC236}">
+                <a16:creationId xmlns:a16="http://schemas.microsoft.com/office/drawing/2014/main" id="{EAAB3A7F-8FAD-CC6F-8FF6-FEDAE18450BF}"/>
               </a:ext>
             </a:extLst>
           </p:cNvPr>
@@ -6514,8 +6588,8 @@
         </p:blipFill>
         <p:spPr>
           <a:xfrm>
-            <a:off x="7159924" y="4773353"/>
-            <a:ext cx="3742723" cy="2056187"/>
+            <a:off x="6290824" y="1964871"/>
+            <a:ext cx="4440470" cy="2747342"/>
           </a:xfrm>
           <a:prstGeom prst="rect">
             <a:avLst/>
